--- a/Dezheng_Presentation.pptx
+++ b/Dezheng_Presentation.pptx
@@ -6,25 +6,26 @@
   </p:sldMasterIdLst>
   <p:sldIdLst>
     <p:sldId id="256" r:id="rId2"/>
-    <p:sldId id="257" r:id="rId3"/>
-    <p:sldId id="258" r:id="rId4"/>
-    <p:sldId id="259" r:id="rId5"/>
-    <p:sldId id="260" r:id="rId6"/>
-    <p:sldId id="261" r:id="rId7"/>
-    <p:sldId id="262" r:id="rId8"/>
-    <p:sldId id="275" r:id="rId9"/>
-    <p:sldId id="263" r:id="rId10"/>
-    <p:sldId id="264" r:id="rId11"/>
-    <p:sldId id="270" r:id="rId12"/>
-    <p:sldId id="265" r:id="rId13"/>
-    <p:sldId id="271" r:id="rId14"/>
-    <p:sldId id="272" r:id="rId15"/>
-    <p:sldId id="266" r:id="rId16"/>
-    <p:sldId id="267" r:id="rId17"/>
-    <p:sldId id="268" r:id="rId18"/>
-    <p:sldId id="269" r:id="rId19"/>
-    <p:sldId id="273" r:id="rId20"/>
-    <p:sldId id="274" r:id="rId21"/>
+    <p:sldId id="276" r:id="rId3"/>
+    <p:sldId id="257" r:id="rId4"/>
+    <p:sldId id="258" r:id="rId5"/>
+    <p:sldId id="259" r:id="rId6"/>
+    <p:sldId id="260" r:id="rId7"/>
+    <p:sldId id="261" r:id="rId8"/>
+    <p:sldId id="262" r:id="rId9"/>
+    <p:sldId id="275" r:id="rId10"/>
+    <p:sldId id="263" r:id="rId11"/>
+    <p:sldId id="264" r:id="rId12"/>
+    <p:sldId id="270" r:id="rId13"/>
+    <p:sldId id="265" r:id="rId14"/>
+    <p:sldId id="271" r:id="rId15"/>
+    <p:sldId id="272" r:id="rId16"/>
+    <p:sldId id="266" r:id="rId17"/>
+    <p:sldId id="267" r:id="rId18"/>
+    <p:sldId id="268" r:id="rId19"/>
+    <p:sldId id="269" r:id="rId20"/>
+    <p:sldId id="273" r:id="rId21"/>
+    <p:sldId id="274" r:id="rId22"/>
   </p:sldIdLst>
   <p:sldSz cx="12192000" cy="6858000"/>
   <p:notesSz cx="6858000" cy="9144000"/>
@@ -129,6 +130,7 @@
         <p14:section name="Default Section" id="{7357114C-078E-9549-8C23-255D28DE9FEF}">
           <p14:sldIdLst>
             <p14:sldId id="256"/>
+            <p14:sldId id="276"/>
             <p14:sldId id="257"/>
             <p14:sldId id="258"/>
             <p14:sldId id="259"/>
@@ -348,7 +350,7 @@
             <a:fld id="{B61BEF0D-F0BB-DE4B-95CE-6DB70DBA9567}" type="datetimeFigureOut">
               <a:rPr lang="en-US" dirty="0"/>
               <a:pPr/>
-              <a:t>5/10/17</a:t>
+              <a:t>5/11/17</a:t>
             </a:fld>
             <a:endParaRPr lang="en-US" dirty="0"/>
           </a:p>
@@ -683,7 +685,7 @@
             <a:fld id="{B61BEF0D-F0BB-DE4B-95CE-6DB70DBA9567}" type="datetimeFigureOut">
               <a:rPr lang="en-US" dirty="0"/>
               <a:pPr/>
-              <a:t>5/10/17</a:t>
+              <a:t>5/11/17</a:t>
             </a:fld>
             <a:endParaRPr lang="en-US" dirty="0"/>
           </a:p>
@@ -1081,7 +1083,7 @@
             <a:fld id="{B61BEF0D-F0BB-DE4B-95CE-6DB70DBA9567}" type="datetimeFigureOut">
               <a:rPr lang="en-US" dirty="0"/>
               <a:pPr/>
-              <a:t>5/10/17</a:t>
+              <a:t>5/11/17</a:t>
             </a:fld>
             <a:endParaRPr lang="en-US" dirty="0"/>
           </a:p>
@@ -1414,7 +1416,7 @@
             <a:fld id="{B61BEF0D-F0BB-DE4B-95CE-6DB70DBA9567}" type="datetimeFigureOut">
               <a:rPr lang="en-US" dirty="0"/>
               <a:pPr/>
-              <a:t>5/10/17</a:t>
+              <a:t>5/11/17</a:t>
             </a:fld>
             <a:endParaRPr lang="en-US" dirty="0"/>
           </a:p>
@@ -1731,7 +1733,7 @@
             <a:fld id="{B61BEF0D-F0BB-DE4B-95CE-6DB70DBA9567}" type="datetimeFigureOut">
               <a:rPr lang="en-US" dirty="0"/>
               <a:pPr/>
-              <a:t>5/10/17</a:t>
+              <a:t>5/11/17</a:t>
             </a:fld>
             <a:endParaRPr lang="en-US" dirty="0"/>
           </a:p>
@@ -2124,7 +2126,7 @@
             <a:fld id="{B61BEF0D-F0BB-DE4B-95CE-6DB70DBA9567}" type="datetimeFigureOut">
               <a:rPr lang="en-US" dirty="0"/>
               <a:pPr/>
-              <a:t>5/10/17</a:t>
+              <a:t>5/11/17</a:t>
             </a:fld>
             <a:endParaRPr lang="en-US" dirty="0"/>
           </a:p>
@@ -2378,7 +2380,7 @@
             <a:fld id="{B61BEF0D-F0BB-DE4B-95CE-6DB70DBA9567}" type="datetimeFigureOut">
               <a:rPr lang="en-US" dirty="0"/>
               <a:pPr/>
-              <a:t>5/10/17</a:t>
+              <a:t>5/11/17</a:t>
             </a:fld>
             <a:endParaRPr lang="en-US" dirty="0"/>
           </a:p>
@@ -2637,7 +2639,7 @@
             <a:fld id="{B61BEF0D-F0BB-DE4B-95CE-6DB70DBA9567}" type="datetimeFigureOut">
               <a:rPr lang="en-US" dirty="0"/>
               <a:pPr/>
-              <a:t>5/10/17</a:t>
+              <a:t>5/11/17</a:t>
             </a:fld>
             <a:endParaRPr lang="en-US" dirty="0"/>
           </a:p>
@@ -2896,7 +2898,7 @@
             <a:fld id="{B61BEF0D-F0BB-DE4B-95CE-6DB70DBA9567}" type="datetimeFigureOut">
               <a:rPr lang="en-US" dirty="0"/>
               <a:pPr/>
-              <a:t>5/10/17</a:t>
+              <a:t>5/11/17</a:t>
             </a:fld>
             <a:endParaRPr lang="en-US" dirty="0"/>
           </a:p>
@@ -3222,7 +3224,7 @@
             <a:fld id="{B61BEF0D-F0BB-DE4B-95CE-6DB70DBA9567}" type="datetimeFigureOut">
               <a:rPr lang="en-US" dirty="0"/>
               <a:pPr/>
-              <a:t>5/10/17</a:t>
+              <a:t>5/11/17</a:t>
             </a:fld>
             <a:endParaRPr lang="en-US" dirty="0"/>
           </a:p>
@@ -3542,7 +3544,7 @@
             <a:fld id="{B61BEF0D-F0BB-DE4B-95CE-6DB70DBA9567}" type="datetimeFigureOut">
               <a:rPr lang="en-US" dirty="0"/>
               <a:pPr/>
-              <a:t>5/10/17</a:t>
+              <a:t>5/11/17</a:t>
             </a:fld>
             <a:endParaRPr lang="en-US" dirty="0"/>
           </a:p>
@@ -3996,7 +3998,7 @@
             <a:fld id="{B61BEF0D-F0BB-DE4B-95CE-6DB70DBA9567}" type="datetimeFigureOut">
               <a:rPr lang="en-US" dirty="0"/>
               <a:pPr/>
-              <a:t>5/10/17</a:t>
+              <a:t>5/11/17</a:t>
             </a:fld>
             <a:endParaRPr lang="en-US" dirty="0"/>
           </a:p>
@@ -4198,7 +4200,7 @@
             <a:fld id="{B61BEF0D-F0BB-DE4B-95CE-6DB70DBA9567}" type="datetimeFigureOut">
               <a:rPr lang="en-US" dirty="0"/>
               <a:pPr/>
-              <a:t>5/10/17</a:t>
+              <a:t>5/11/17</a:t>
             </a:fld>
             <a:endParaRPr lang="en-US" dirty="0"/>
           </a:p>
@@ -4372,7 +4374,7 @@
             <a:fld id="{B61BEF0D-F0BB-DE4B-95CE-6DB70DBA9567}" type="datetimeFigureOut">
               <a:rPr lang="en-US" dirty="0"/>
               <a:pPr/>
-              <a:t>5/10/17</a:t>
+              <a:t>5/11/17</a:t>
             </a:fld>
             <a:endParaRPr lang="en-US" dirty="0"/>
           </a:p>
@@ -4702,7 +4704,7 @@
             <a:fld id="{B61BEF0D-F0BB-DE4B-95CE-6DB70DBA9567}" type="datetimeFigureOut">
               <a:rPr lang="en-US" dirty="0"/>
               <a:pPr/>
-              <a:t>5/10/17</a:t>
+              <a:t>5/11/17</a:t>
             </a:fld>
             <a:endParaRPr lang="en-US" dirty="0"/>
           </a:p>
@@ -5044,7 +5046,7 @@
             <a:fld id="{B61BEF0D-F0BB-DE4B-95CE-6DB70DBA9567}" type="datetimeFigureOut">
               <a:rPr lang="en-US" dirty="0"/>
               <a:pPr/>
-              <a:t>5/10/17</a:t>
+              <a:t>5/11/17</a:t>
             </a:fld>
             <a:endParaRPr lang="en-US" dirty="0"/>
           </a:p>
@@ -7158,7 +7160,7 @@
             <a:fld id="{B61BEF0D-F0BB-DE4B-95CE-6DB70DBA9567}" type="datetimeFigureOut">
               <a:rPr lang="en-US" dirty="0"/>
               <a:pPr/>
-              <a:t>5/10/17</a:t>
+              <a:t>5/11/17</a:t>
             </a:fld>
             <a:endParaRPr lang="en-US" dirty="0"/>
           </a:p>
@@ -7812,6 +7814,139 @@
             <a:pPr algn="ctr"/>
             <a:r>
               <a:rPr lang="en-US" dirty="0" smtClean="0"/>
+              <a:t>Continued</a:t>
+            </a:r>
+            <a:endParaRPr lang="en-US" dirty="0"/>
+          </a:p>
+        </p:txBody>
+      </p:sp>
+      <p:sp>
+        <p:nvSpPr>
+          <p:cNvPr id="3" name="Content Placeholder 2"/>
+          <p:cNvSpPr>
+            <a:spLocks noGrp="1"/>
+          </p:cNvSpPr>
+          <p:nvPr>
+            <p:ph idx="1"/>
+          </p:nvPr>
+        </p:nvSpPr>
+        <p:spPr/>
+        <p:txBody>
+          <a:bodyPr/>
+          <a:lstStyle/>
+          <a:p>
+            <a:r>
+              <a:rPr lang="en-US" dirty="0" smtClean="0"/>
+              <a:t>Application Overview</a:t>
+            </a:r>
+          </a:p>
+          <a:p>
+            <a:pPr lvl="1"/>
+            <a:r>
+              <a:rPr lang="en-US" dirty="0" smtClean="0"/>
+              <a:t>Combination architecture styles: client/server, object-oriented</a:t>
+            </a:r>
+          </a:p>
+          <a:p>
+            <a:pPr lvl="1"/>
+            <a:r>
+              <a:rPr lang="en-US" dirty="0" smtClean="0"/>
+              <a:t>Tools and programming languages for server and client</a:t>
+            </a:r>
+          </a:p>
+          <a:p>
+            <a:pPr marL="342900" lvl="1" indent="-342900"/>
+            <a:r>
+              <a:rPr lang="en-US" sz="1800" dirty="0"/>
+              <a:t>Key issues and </a:t>
+            </a:r>
+            <a:r>
+              <a:rPr lang="en-US" sz="1800" dirty="0" smtClean="0"/>
+              <a:t>solution</a:t>
+            </a:r>
+          </a:p>
+          <a:p>
+            <a:pPr marL="742950" lvl="2" indent="-342900"/>
+            <a:r>
+              <a:rPr lang="en-US" dirty="0" smtClean="0"/>
+              <a:t>Performance, reliability, security</a:t>
+            </a:r>
+          </a:p>
+          <a:p>
+            <a:pPr marL="742950" lvl="2" indent="-342900"/>
+            <a:r>
+              <a:rPr lang="en-US" dirty="0" smtClean="0"/>
+              <a:t>Thread safety (UI, other activities)</a:t>
+            </a:r>
+          </a:p>
+          <a:p>
+            <a:pPr marL="742950" lvl="2" indent="-342900"/>
+            <a:r>
+              <a:rPr lang="en-US" dirty="0" smtClean="0"/>
+              <a:t>Extra data about the car</a:t>
+            </a:r>
+          </a:p>
+          <a:p>
+            <a:pPr marL="742950" lvl="2" indent="-342900"/>
+            <a:endParaRPr lang="en-US" dirty="0"/>
+          </a:p>
+        </p:txBody>
+      </p:sp>
+    </p:spTree>
+    <p:extLst>
+      <p:ext uri="{BB962C8B-B14F-4D97-AF65-F5344CB8AC3E}">
+        <p14:creationId xmlns:p14="http://schemas.microsoft.com/office/powerpoint/2010/main" val="54927072"/>
+      </p:ext>
+    </p:extLst>
+  </p:cSld>
+  <p:clrMapOvr>
+    <a:masterClrMapping/>
+  </p:clrMapOvr>
+  <p:timing>
+    <p:tnLst>
+      <p:par>
+        <p:cTn id="1" dur="indefinite" restart="never" nodeType="tmRoot"/>
+      </p:par>
+    </p:tnLst>
+  </p:timing>
+</p:sld>
+</file>
+
+<file path=ppt/slides/slide11.xml><?xml version="1.0" encoding="utf-8"?>
+<p:sld xmlns:a="http://schemas.openxmlformats.org/drawingml/2006/main" xmlns:r="http://schemas.openxmlformats.org/officeDocument/2006/relationships" xmlns:p="http://schemas.openxmlformats.org/presentationml/2006/main">
+  <p:cSld>
+    <p:spTree>
+      <p:nvGrpSpPr>
+        <p:cNvPr id="1" name=""/>
+        <p:cNvGrpSpPr/>
+        <p:nvPr/>
+      </p:nvGrpSpPr>
+      <p:grpSpPr>
+        <a:xfrm>
+          <a:off x="0" y="0"/>
+          <a:ext cx="0" cy="0"/>
+          <a:chOff x="0" y="0"/>
+          <a:chExt cx="0" cy="0"/>
+        </a:xfrm>
+      </p:grpSpPr>
+      <p:sp>
+        <p:nvSpPr>
+          <p:cNvPr id="2" name="Title 1"/>
+          <p:cNvSpPr>
+            <a:spLocks noGrp="1"/>
+          </p:cNvSpPr>
+          <p:nvPr>
+            <p:ph type="title"/>
+          </p:nvPr>
+        </p:nvSpPr>
+        <p:spPr/>
+        <p:txBody>
+          <a:bodyPr/>
+          <a:lstStyle/>
+          <a:p>
+            <a:pPr algn="ctr"/>
+            <a:r>
+              <a:rPr lang="en-US" dirty="0" smtClean="0"/>
               <a:t>Detailed system design</a:t>
             </a:r>
             <a:endParaRPr lang="en-US" dirty="0"/>
@@ -7892,7 +8027,7 @@
 </p:sld>
 </file>
 
-<file path=ppt/slides/slide11.xml><?xml version="1.0" encoding="utf-8"?>
+<file path=ppt/slides/slide12.xml><?xml version="1.0" encoding="utf-8"?>
 <p:sld xmlns:a="http://schemas.openxmlformats.org/drawingml/2006/main" xmlns:r="http://schemas.openxmlformats.org/officeDocument/2006/relationships" xmlns:p="http://schemas.openxmlformats.org/presentationml/2006/main">
   <p:cSld>
     <p:spTree>
@@ -7988,7 +8123,7 @@
 </p:sld>
 </file>
 
-<file path=ppt/slides/slide12.xml><?xml version="1.0" encoding="utf-8"?>
+<file path=ppt/slides/slide13.xml><?xml version="1.0" encoding="utf-8"?>
 <p:sld xmlns:a="http://schemas.openxmlformats.org/drawingml/2006/main" xmlns:r="http://schemas.openxmlformats.org/officeDocument/2006/relationships" xmlns:p="http://schemas.openxmlformats.org/presentationml/2006/main">
   <p:cSld>
     <p:spTree>
@@ -8090,7 +8225,7 @@
 </p:sld>
 </file>
 
-<file path=ppt/slides/slide13.xml><?xml version="1.0" encoding="utf-8"?>
+<file path=ppt/slides/slide14.xml><?xml version="1.0" encoding="utf-8"?>
 <p:sld xmlns:a="http://schemas.openxmlformats.org/drawingml/2006/main" xmlns:r="http://schemas.openxmlformats.org/officeDocument/2006/relationships" xmlns:p="http://schemas.openxmlformats.org/presentationml/2006/main">
   <p:cSld>
     <p:spTree>
@@ -8187,7 +8322,7 @@
 </p:sld>
 </file>
 
-<file path=ppt/slides/slide14.xml><?xml version="1.0" encoding="utf-8"?>
+<file path=ppt/slides/slide15.xml><?xml version="1.0" encoding="utf-8"?>
 <p:sld xmlns:a="http://schemas.openxmlformats.org/drawingml/2006/main" xmlns:r="http://schemas.openxmlformats.org/officeDocument/2006/relationships" xmlns:p="http://schemas.openxmlformats.org/presentationml/2006/main">
   <p:cSld>
     <p:spTree>
@@ -8276,7 +8411,7 @@
 </p:sld>
 </file>
 
-<file path=ppt/slides/slide15.xml><?xml version="1.0" encoding="utf-8"?>
+<file path=ppt/slides/slide16.xml><?xml version="1.0" encoding="utf-8"?>
 <p:sld xmlns:a="http://schemas.openxmlformats.org/drawingml/2006/main" xmlns:r="http://schemas.openxmlformats.org/officeDocument/2006/relationships" xmlns:p="http://schemas.openxmlformats.org/presentationml/2006/main">
   <p:cSld>
     <p:spTree>
@@ -8447,7 +8582,7 @@
 </p:sld>
 </file>
 
-<file path=ppt/slides/slide16.xml><?xml version="1.0" encoding="utf-8"?>
+<file path=ppt/slides/slide17.xml><?xml version="1.0" encoding="utf-8"?>
 <p:sld xmlns:a="http://schemas.openxmlformats.org/drawingml/2006/main" xmlns:r="http://schemas.openxmlformats.org/officeDocument/2006/relationships" xmlns:p="http://schemas.openxmlformats.org/presentationml/2006/main">
   <p:cSld>
     <p:spTree>
@@ -8563,7 +8698,7 @@
 </p:sld>
 </file>
 
-<file path=ppt/slides/slide17.xml><?xml version="1.0" encoding="utf-8"?>
+<file path=ppt/slides/slide18.xml><?xml version="1.0" encoding="utf-8"?>
 <p:sld xmlns:a="http://schemas.openxmlformats.org/drawingml/2006/main" xmlns:r="http://schemas.openxmlformats.org/officeDocument/2006/relationships" xmlns:p="http://schemas.openxmlformats.org/presentationml/2006/main">
   <p:cSld>
     <p:spTree>
@@ -8629,7 +8764,7 @@
 </p:sld>
 </file>
 
-<file path=ppt/slides/slide18.xml><?xml version="1.0" encoding="utf-8"?>
+<file path=ppt/slides/slide19.xml><?xml version="1.0" encoding="utf-8"?>
 <p:sld xmlns:a="http://schemas.openxmlformats.org/drawingml/2006/main" xmlns:r="http://schemas.openxmlformats.org/officeDocument/2006/relationships" xmlns:p="http://schemas.openxmlformats.org/presentationml/2006/main">
   <p:cSld>
     <p:spTree>
@@ -8749,7 +8884,151 @@
 </p:sld>
 </file>
 
-<file path=ppt/slides/slide19.xml><?xml version="1.0" encoding="utf-8"?>
+<file path=ppt/slides/slide2.xml><?xml version="1.0" encoding="utf-8"?>
+<p:sld xmlns:a="http://schemas.openxmlformats.org/drawingml/2006/main" xmlns:r="http://schemas.openxmlformats.org/officeDocument/2006/relationships" xmlns:p="http://schemas.openxmlformats.org/presentationml/2006/main">
+  <p:cSld>
+    <p:spTree>
+      <p:nvGrpSpPr>
+        <p:cNvPr id="1" name=""/>
+        <p:cNvGrpSpPr/>
+        <p:nvPr/>
+      </p:nvGrpSpPr>
+      <p:grpSpPr>
+        <a:xfrm>
+          <a:off x="0" y="0"/>
+          <a:ext cx="0" cy="0"/>
+          <a:chOff x="0" y="0"/>
+          <a:chExt cx="0" cy="0"/>
+        </a:xfrm>
+      </p:grpSpPr>
+      <p:sp>
+        <p:nvSpPr>
+          <p:cNvPr id="2" name="Title 1"/>
+          <p:cNvSpPr>
+            <a:spLocks noGrp="1"/>
+          </p:cNvSpPr>
+          <p:nvPr>
+            <p:ph type="title"/>
+          </p:nvPr>
+        </p:nvSpPr>
+        <p:spPr/>
+        <p:txBody>
+          <a:bodyPr/>
+          <a:lstStyle/>
+          <a:p>
+            <a:pPr algn="ctr"/>
+            <a:r>
+              <a:rPr lang="en-US" dirty="0" smtClean="0"/>
+              <a:t>Glossary</a:t>
+            </a:r>
+            <a:endParaRPr lang="en-US" dirty="0"/>
+          </a:p>
+        </p:txBody>
+      </p:sp>
+      <p:sp>
+        <p:nvSpPr>
+          <p:cNvPr id="3" name="Content Placeholder 2"/>
+          <p:cNvSpPr>
+            <a:spLocks noGrp="1"/>
+          </p:cNvSpPr>
+          <p:nvPr>
+            <p:ph idx="1"/>
+          </p:nvPr>
+        </p:nvSpPr>
+        <p:spPr/>
+        <p:txBody>
+          <a:bodyPr/>
+          <a:lstStyle/>
+          <a:p>
+            <a:r>
+              <a:rPr lang="en-US" dirty="0"/>
+              <a:t>Onboard Diagnostic </a:t>
+            </a:r>
+            <a:r>
+              <a:rPr lang="en-US" dirty="0" smtClean="0"/>
+              <a:t>systems (OBD) </a:t>
+            </a:r>
+            <a:endParaRPr lang="en-US" dirty="0"/>
+          </a:p>
+          <a:p>
+            <a:r>
+              <a:rPr lang="en-US" dirty="0"/>
+              <a:t>Onboard Diagnostic II scanner </a:t>
+            </a:r>
+            <a:r>
+              <a:rPr lang="en-US" dirty="0" smtClean="0"/>
+              <a:t>(OBD-II scanner)</a:t>
+            </a:r>
+            <a:endParaRPr lang="en-US" dirty="0"/>
+          </a:p>
+          <a:p>
+            <a:r>
+              <a:rPr lang="en-US" dirty="0"/>
+              <a:t>Onboard Diagnostic II Parameter IDs </a:t>
+            </a:r>
+            <a:r>
+              <a:rPr lang="en-US" dirty="0" smtClean="0"/>
+              <a:t>(OBD-II PIDs)</a:t>
+            </a:r>
+            <a:endParaRPr lang="en-US" dirty="0"/>
+          </a:p>
+          <a:p>
+            <a:r>
+              <a:rPr lang="en-US" dirty="0"/>
+              <a:t>Diagnostic Trouble Codes </a:t>
+            </a:r>
+            <a:r>
+              <a:rPr lang="en-US" dirty="0" smtClean="0"/>
+              <a:t>(DTCs)</a:t>
+            </a:r>
+            <a:endParaRPr lang="en-US" dirty="0"/>
+          </a:p>
+          <a:p>
+            <a:r>
+              <a:rPr lang="en-US" dirty="0"/>
+              <a:t>Attention command set </a:t>
+            </a:r>
+            <a:r>
+              <a:rPr lang="en-US" dirty="0" smtClean="0"/>
+              <a:t>(AT command)</a:t>
+            </a:r>
+          </a:p>
+          <a:p>
+            <a:r>
+              <a:rPr lang="de-DE" dirty="0"/>
+              <a:t>ELM327</a:t>
+            </a:r>
+            <a:r>
+              <a:rPr lang="de-DE" b="1" dirty="0"/>
+              <a:t> </a:t>
+            </a:r>
+            <a:endParaRPr lang="de-DE" dirty="0"/>
+          </a:p>
+          <a:p>
+            <a:endParaRPr lang="en-US" dirty="0"/>
+          </a:p>
+          <a:p>
+            <a:endParaRPr lang="en-US" dirty="0"/>
+          </a:p>
+          <a:p>
+            <a:endParaRPr lang="en-US" dirty="0"/>
+          </a:p>
+        </p:txBody>
+      </p:sp>
+    </p:spTree>
+    <p:extLst>
+      <p:ext uri="{BB962C8B-B14F-4D97-AF65-F5344CB8AC3E}">
+        <p14:creationId xmlns:p14="http://schemas.microsoft.com/office/powerpoint/2010/main" val="518785644"/>
+      </p:ext>
+    </p:extLst>
+  </p:cSld>
+  <p:clrMapOvr>
+    <a:masterClrMapping/>
+  </p:clrMapOvr>
+</p:sld>
+</file>
+
+<file path=ppt/slides/slide20.xml><?xml version="1.0" encoding="utf-8"?>
 <p:sld xmlns:a="http://schemas.openxmlformats.org/drawingml/2006/main" xmlns:r="http://schemas.openxmlformats.org/officeDocument/2006/relationships" xmlns:p="http://schemas.openxmlformats.org/presentationml/2006/main">
   <p:cSld>
     <p:spTree>
@@ -8853,145 +9132,7 @@
 </p:sld>
 </file>
 
-<file path=ppt/slides/slide2.xml><?xml version="1.0" encoding="utf-8"?>
-<p:sld xmlns:a="http://schemas.openxmlformats.org/drawingml/2006/main" xmlns:r="http://schemas.openxmlformats.org/officeDocument/2006/relationships" xmlns:p="http://schemas.openxmlformats.org/presentationml/2006/main">
-  <p:cSld>
-    <p:spTree>
-      <p:nvGrpSpPr>
-        <p:cNvPr id="1" name=""/>
-        <p:cNvGrpSpPr/>
-        <p:nvPr/>
-      </p:nvGrpSpPr>
-      <p:grpSpPr>
-        <a:xfrm>
-          <a:off x="0" y="0"/>
-          <a:ext cx="0" cy="0"/>
-          <a:chOff x="0" y="0"/>
-          <a:chExt cx="0" cy="0"/>
-        </a:xfrm>
-      </p:grpSpPr>
-      <p:sp>
-        <p:nvSpPr>
-          <p:cNvPr id="2" name="Title 1"/>
-          <p:cNvSpPr>
-            <a:spLocks noGrp="1"/>
-          </p:cNvSpPr>
-          <p:nvPr>
-            <p:ph type="title"/>
-          </p:nvPr>
-        </p:nvSpPr>
-        <p:spPr/>
-        <p:txBody>
-          <a:bodyPr/>
-          <a:lstStyle/>
-          <a:p>
-            <a:pPr algn="ctr"/>
-            <a:r>
-              <a:rPr lang="en-US" dirty="0" smtClean="0"/>
-              <a:t>Introduction</a:t>
-            </a:r>
-            <a:endParaRPr lang="en-US" dirty="0"/>
-          </a:p>
-        </p:txBody>
-      </p:sp>
-      <p:sp>
-        <p:nvSpPr>
-          <p:cNvPr id="3" name="Content Placeholder 2"/>
-          <p:cNvSpPr>
-            <a:spLocks noGrp="1"/>
-          </p:cNvSpPr>
-          <p:nvPr>
-            <p:ph idx="1"/>
-          </p:nvPr>
-        </p:nvSpPr>
-        <p:spPr/>
-        <p:txBody>
-          <a:bodyPr/>
-          <a:lstStyle/>
-          <a:p>
-            <a:r>
-              <a:rPr lang="en-US" dirty="0"/>
-              <a:t>D</a:t>
-            </a:r>
-            <a:r>
-              <a:rPr lang="en-US" dirty="0" smtClean="0"/>
-              <a:t>ifficult </a:t>
-            </a:r>
-            <a:r>
-              <a:rPr lang="en-US" dirty="0"/>
-              <a:t>to image life without </a:t>
-            </a:r>
-            <a:r>
-              <a:rPr lang="en-US" dirty="0" smtClean="0"/>
-              <a:t>driving.</a:t>
-            </a:r>
-          </a:p>
-          <a:p>
-            <a:r>
-              <a:rPr lang="en-US" dirty="0" smtClean="0"/>
-              <a:t> Possible to </a:t>
-            </a:r>
-            <a:r>
-              <a:rPr lang="en-US" altLang="zh-CN" dirty="0" smtClean="0"/>
-              <a:t>use OBD applications to deepen knowledge to cars</a:t>
-            </a:r>
-          </a:p>
-          <a:p>
-            <a:r>
-              <a:rPr lang="en-US" dirty="0" smtClean="0"/>
-              <a:t>Disadvantages of </a:t>
-            </a:r>
-            <a:r>
-              <a:rPr lang="en-US" altLang="zh-CN" dirty="0"/>
-              <a:t>OBD applications </a:t>
-            </a:r>
-            <a:r>
-              <a:rPr lang="en-US" altLang="zh-CN" dirty="0" smtClean="0"/>
-              <a:t>in APP Store</a:t>
-            </a:r>
-          </a:p>
-          <a:p>
-            <a:r>
-              <a:rPr lang="en-US" altLang="zh-CN" dirty="0" smtClean="0"/>
-              <a:t>Advantages of Riding Mechanic</a:t>
-            </a:r>
-          </a:p>
-          <a:p>
-            <a:r>
-              <a:rPr lang="en-US" dirty="0" smtClean="0"/>
-              <a:t>OBD and OBD-II </a:t>
-            </a:r>
-          </a:p>
-          <a:p>
-            <a:r>
-              <a:rPr lang="en-US" dirty="0" smtClean="0"/>
-              <a:t>OBD-II scanner</a:t>
-            </a:r>
-            <a:endParaRPr lang="en-US" dirty="0"/>
-          </a:p>
-        </p:txBody>
-      </p:sp>
-    </p:spTree>
-    <p:extLst>
-      <p:ext uri="{BB962C8B-B14F-4D97-AF65-F5344CB8AC3E}">
-        <p14:creationId xmlns:p14="http://schemas.microsoft.com/office/powerpoint/2010/main" val="1123654307"/>
-      </p:ext>
-    </p:extLst>
-  </p:cSld>
-  <p:clrMapOvr>
-    <a:masterClrMapping/>
-  </p:clrMapOvr>
-  <p:timing>
-    <p:tnLst>
-      <p:par>
-        <p:cTn id="1" dur="indefinite" restart="never" nodeType="tmRoot"/>
-      </p:par>
-    </p:tnLst>
-  </p:timing>
-</p:sld>
-</file>
-
-<file path=ppt/slides/slide20.xml><?xml version="1.0" encoding="utf-8"?>
+<file path=ppt/slides/slide21.xml><?xml version="1.0" encoding="utf-8"?>
 <p:sld xmlns:a="http://schemas.openxmlformats.org/drawingml/2006/main" xmlns:r="http://schemas.openxmlformats.org/officeDocument/2006/relationships" xmlns:p="http://schemas.openxmlformats.org/presentationml/2006/main">
   <p:cSld>
     <p:spTree>
@@ -9106,66 +9247,92 @@
             <a:pPr algn="ctr"/>
             <a:r>
               <a:rPr lang="en-US" dirty="0" smtClean="0"/>
-              <a:t>Continued</a:t>
-            </a:r>
-            <a:endParaRPr lang="en-US" dirty="0"/>
-          </a:p>
-        </p:txBody>
-      </p:sp>
-      <p:pic>
-        <p:nvPicPr>
-          <p:cNvPr id="4" name="Content Placeholder 3"/>
-          <p:cNvPicPr>
-            <a:picLocks noGrp="1" noChangeAspect="1"/>
-          </p:cNvPicPr>
+              <a:t>Introduction</a:t>
+            </a:r>
+            <a:endParaRPr lang="en-US" dirty="0"/>
+          </a:p>
+        </p:txBody>
+      </p:sp>
+      <p:sp>
+        <p:nvSpPr>
+          <p:cNvPr id="3" name="Content Placeholder 2"/>
+          <p:cNvSpPr>
+            <a:spLocks noGrp="1"/>
+          </p:cNvSpPr>
           <p:nvPr>
             <p:ph idx="1"/>
           </p:nvPr>
-        </p:nvPicPr>
-        <p:blipFill>
-          <a:blip r:embed="rId2">
-            <a:extLst>
-              <a:ext uri="{28A0092B-C50C-407E-A947-70E740481C1C}">
-                <a14:useLocalDpi xmlns:a14="http://schemas.microsoft.com/office/drawing/2010/main" val="0"/>
-              </a:ext>
-            </a:extLst>
-          </a:blip>
-          <a:stretch>
-            <a:fillRect/>
-          </a:stretch>
-        </p:blipFill>
-        <p:spPr>
-          <a:xfrm>
-            <a:off x="2458629" y="1565564"/>
-            <a:ext cx="7707986" cy="3810000"/>
-          </a:xfrm>
-        </p:spPr>
-      </p:pic>
-      <p:sp>
-        <p:nvSpPr>
-          <p:cNvPr id="3" name="TextBox 2"/>
-          <p:cNvSpPr txBox="1"/>
-          <p:nvPr/>
-        </p:nvSpPr>
-        <p:spPr>
-          <a:xfrm>
-            <a:off x="2592925" y="5578764"/>
-            <a:ext cx="6774872" cy="369332"/>
-          </a:xfrm>
-          <a:prstGeom prst="rect">
-            <a:avLst/>
-          </a:prstGeom>
-          <a:noFill/>
-        </p:spPr>
-        <p:txBody>
-          <a:bodyPr wrap="square" rtlCol="0">
-            <a:spAutoFit/>
-          </a:bodyPr>
+        </p:nvSpPr>
+        <p:spPr/>
+        <p:txBody>
+          <a:bodyPr/>
           <a:lstStyle/>
           <a:p>
             <a:r>
+              <a:rPr lang="en-US" dirty="0"/>
+              <a:t>D</a:t>
+            </a:r>
+            <a:r>
               <a:rPr lang="en-US" dirty="0" smtClean="0"/>
-              <a:t>© Freelancer Technology Pty Limited </a:t>
+              <a:t>ifficult </a:t>
+            </a:r>
+            <a:r>
+              <a:rPr lang="en-US" dirty="0"/>
+              <a:t>to image life without </a:t>
+            </a:r>
+            <a:r>
+              <a:rPr lang="en-US" dirty="0" smtClean="0"/>
+              <a:t>driving.</a:t>
+            </a:r>
+          </a:p>
+          <a:p>
+            <a:r>
+              <a:rPr lang="en-US" dirty="0" smtClean="0"/>
+              <a:t> Possible to </a:t>
+            </a:r>
+            <a:r>
+              <a:rPr lang="en-US" altLang="zh-CN" dirty="0" smtClean="0"/>
+              <a:t>use OBD applications to deepen knowledge to cars</a:t>
+            </a:r>
+          </a:p>
+          <a:p>
+            <a:r>
+              <a:rPr lang="en-US" dirty="0" smtClean="0"/>
+              <a:t>Disadvantages of </a:t>
+            </a:r>
+            <a:r>
+              <a:rPr lang="en-US" altLang="zh-CN" dirty="0"/>
+              <a:t>OBD applications </a:t>
+            </a:r>
+            <a:r>
+              <a:rPr lang="en-US" altLang="zh-CN" dirty="0" smtClean="0"/>
+              <a:t>in APP Store</a:t>
+            </a:r>
+          </a:p>
+          <a:p>
+            <a:r>
+              <a:rPr lang="en-US" altLang="zh-CN" dirty="0" smtClean="0"/>
+              <a:t>Advantages of Riding Mechanic</a:t>
+            </a:r>
+          </a:p>
+          <a:p>
+            <a:r>
+              <a:rPr lang="en-US" dirty="0" smtClean="0"/>
+              <a:t>OBD and OBD-II </a:t>
+            </a:r>
+          </a:p>
+          <a:p>
+            <a:r>
+              <a:rPr lang="en-US" dirty="0" smtClean="0"/>
+              <a:t>OBD-II </a:t>
+            </a:r>
+            <a:r>
+              <a:rPr lang="en-US" dirty="0" smtClean="0"/>
+              <a:t>scanner used in </a:t>
+            </a:r>
+            <a:r>
+              <a:rPr lang="en-US" altLang="zh-CN" dirty="0"/>
+              <a:t>Riding Mechanic</a:t>
             </a:r>
             <a:endParaRPr lang="en-US" dirty="0"/>
           </a:p>
@@ -9174,7 +9341,7 @@
     </p:spTree>
     <p:extLst>
       <p:ext uri="{BB962C8B-B14F-4D97-AF65-F5344CB8AC3E}">
-        <p14:creationId xmlns:p14="http://schemas.microsoft.com/office/powerpoint/2010/main" val="1217374293"/>
+        <p14:creationId xmlns:p14="http://schemas.microsoft.com/office/powerpoint/2010/main" val="1123654307"/>
       </p:ext>
     </p:extLst>
   </p:cSld>
@@ -9225,80 +9392,68 @@
           <a:p>
             <a:pPr algn="ctr"/>
             <a:r>
-              <a:rPr lang="en-US" dirty="0"/>
+              <a:rPr lang="en-US" dirty="0" smtClean="0"/>
               <a:t>Continued</a:t>
             </a:r>
-          </a:p>
-        </p:txBody>
-      </p:sp>
-      <p:sp>
-        <p:nvSpPr>
-          <p:cNvPr id="3" name="Content Placeholder 2"/>
-          <p:cNvSpPr>
-            <a:spLocks noGrp="1"/>
-          </p:cNvSpPr>
+            <a:endParaRPr lang="en-US" dirty="0"/>
+          </a:p>
+        </p:txBody>
+      </p:sp>
+      <p:pic>
+        <p:nvPicPr>
+          <p:cNvPr id="4" name="Content Placeholder 3"/>
+          <p:cNvPicPr>
+            <a:picLocks noGrp="1" noChangeAspect="1"/>
+          </p:cNvPicPr>
           <p:nvPr>
             <p:ph idx="1"/>
           </p:nvPr>
-        </p:nvSpPr>
-        <p:spPr/>
-        <p:txBody>
-          <a:bodyPr/>
+        </p:nvPicPr>
+        <p:blipFill>
+          <a:blip r:embed="rId2">
+            <a:extLst>
+              <a:ext uri="{28A0092B-C50C-407E-A947-70E740481C1C}">
+                <a14:useLocalDpi xmlns:a14="http://schemas.microsoft.com/office/drawing/2010/main" val="0"/>
+              </a:ext>
+            </a:extLst>
+          </a:blip>
+          <a:stretch>
+            <a:fillRect/>
+          </a:stretch>
+        </p:blipFill>
+        <p:spPr>
+          <a:xfrm>
+            <a:off x="2458629" y="1565564"/>
+            <a:ext cx="7707986" cy="3810000"/>
+          </a:xfrm>
+        </p:spPr>
+      </p:pic>
+      <p:sp>
+        <p:nvSpPr>
+          <p:cNvPr id="3" name="TextBox 2"/>
+          <p:cNvSpPr txBox="1"/>
+          <p:nvPr/>
+        </p:nvSpPr>
+        <p:spPr>
+          <a:xfrm>
+            <a:off x="2592925" y="5578764"/>
+            <a:ext cx="6774872" cy="369332"/>
+          </a:xfrm>
+          <a:prstGeom prst="rect">
+            <a:avLst/>
+          </a:prstGeom>
+          <a:noFill/>
+        </p:spPr>
+        <p:txBody>
+          <a:bodyPr wrap="square" rtlCol="0">
+            <a:spAutoFit/>
+          </a:bodyPr>
           <a:lstStyle/>
           <a:p>
             <a:r>
-              <a:rPr lang="en-US" dirty="0"/>
-              <a:t>Onboard </a:t>
-            </a:r>
-            <a:r>
               <a:rPr lang="en-US" dirty="0" smtClean="0"/>
-              <a:t>Diagnostic Parameter </a:t>
-            </a:r>
-            <a:r>
-              <a:rPr lang="en-US" dirty="0"/>
-              <a:t>IDs </a:t>
-            </a:r>
-            <a:r>
-              <a:rPr lang="en-US" dirty="0" smtClean="0"/>
-              <a:t>(OBD-II PIDs)</a:t>
-            </a:r>
-          </a:p>
-          <a:p>
-            <a:r>
-              <a:rPr lang="en-US" dirty="0"/>
-              <a:t>Diagnostic Trouble Code </a:t>
-            </a:r>
-            <a:r>
-              <a:rPr lang="en-US" dirty="0" smtClean="0"/>
-              <a:t>(DTCs)</a:t>
-            </a:r>
-          </a:p>
-          <a:p>
-            <a:r>
-              <a:rPr lang="en-US" dirty="0"/>
-              <a:t>AT command set </a:t>
-            </a:r>
-            <a:r>
-              <a:rPr lang="en-US" dirty="0" smtClean="0"/>
-              <a:t>(</a:t>
-            </a:r>
-            <a:r>
-              <a:rPr lang="en-US" dirty="0"/>
-              <a:t>Hayes command </a:t>
-            </a:r>
-            <a:r>
-              <a:rPr lang="en-US" dirty="0" smtClean="0"/>
-              <a:t>set)</a:t>
-            </a:r>
-            <a:endParaRPr lang="en-US" dirty="0"/>
-          </a:p>
-          <a:p>
-            <a:endParaRPr lang="en-US" dirty="0" smtClean="0"/>
-          </a:p>
-          <a:p>
-            <a:endParaRPr lang="en-US" dirty="0"/>
-          </a:p>
-          <a:p>
+              <a:t>© Freelancer Technology Pty Limited </a:t>
+            </a:r>
             <a:endParaRPr lang="en-US" dirty="0"/>
           </a:p>
         </p:txBody>
@@ -9306,7 +9461,7 @@
     </p:spTree>
     <p:extLst>
       <p:ext uri="{BB962C8B-B14F-4D97-AF65-F5344CB8AC3E}">
-        <p14:creationId xmlns:p14="http://schemas.microsoft.com/office/powerpoint/2010/main" val="2090535993"/>
+        <p14:creationId xmlns:p14="http://schemas.microsoft.com/office/powerpoint/2010/main" val="1217374293"/>
       </p:ext>
     </p:extLst>
   </p:cSld>
@@ -9357,10 +9512,9 @@
           <a:p>
             <a:pPr algn="ctr"/>
             <a:r>
-              <a:rPr lang="en-US" dirty="0" smtClean="0"/>
-              <a:t>Requirement Analysis</a:t>
-            </a:r>
-            <a:endParaRPr lang="en-US" dirty="0"/>
+              <a:rPr lang="en-US" dirty="0"/>
+              <a:t>Continued</a:t>
+            </a:r>
           </a:p>
         </p:txBody>
       </p:sp>
@@ -9380,26 +9534,90 @@
           <a:lstStyle/>
           <a:p>
             <a:r>
+              <a:rPr lang="en-US" dirty="0"/>
+              <a:t>Onboard </a:t>
+            </a:r>
+            <a:r>
               <a:rPr lang="en-US" dirty="0" smtClean="0"/>
-              <a:t>User requirements </a:t>
-            </a:r>
-            <a:endParaRPr lang="en-US" dirty="0"/>
-          </a:p>
-          <a:p>
+              <a:t>Diagnostic Parameter </a:t>
+            </a:r>
             <a:r>
               <a:rPr lang="en-US" dirty="0"/>
-              <a:t>F</a:t>
+              <a:t>IDs </a:t>
             </a:r>
             <a:r>
               <a:rPr lang="en-US" dirty="0" smtClean="0"/>
-              <a:t>unctional requirements</a:t>
-            </a:r>
-          </a:p>
-          <a:p>
+              <a:t>(OBD-II </a:t>
+            </a:r>
             <a:r>
               <a:rPr lang="en-US" dirty="0" smtClean="0"/>
-              <a:t>Non-functional requirements</a:t>
-            </a:r>
+              <a:t>PIDs)</a:t>
+            </a:r>
+          </a:p>
+          <a:p>
+            <a:pPr lvl="1"/>
+            <a:r>
+              <a:rPr lang="en-US" dirty="0" smtClean="0"/>
+              <a:t>Ten modes</a:t>
+            </a:r>
+          </a:p>
+          <a:p>
+            <a:pPr lvl="1"/>
+            <a:r>
+              <a:rPr lang="en-US" dirty="0" smtClean="0"/>
+              <a:t>PIDs used in this project</a:t>
+            </a:r>
+            <a:endParaRPr lang="en-US" dirty="0" smtClean="0"/>
+          </a:p>
+          <a:p>
+            <a:r>
+              <a:rPr lang="en-US" dirty="0"/>
+              <a:t>Diagnostic Trouble Code </a:t>
+            </a:r>
+            <a:r>
+              <a:rPr lang="en-US" dirty="0" smtClean="0"/>
+              <a:t>(DTCs</a:t>
+            </a:r>
+            <a:r>
+              <a:rPr lang="en-US" dirty="0" smtClean="0"/>
+              <a:t>)</a:t>
+            </a:r>
+          </a:p>
+          <a:p>
+            <a:pPr lvl="1"/>
+            <a:r>
+              <a:rPr lang="en-US" dirty="0" smtClean="0"/>
+              <a:t>Consist of five characters</a:t>
+            </a:r>
+          </a:p>
+          <a:p>
+            <a:pPr lvl="1"/>
+            <a:r>
+              <a:rPr lang="en-US" dirty="0" smtClean="0"/>
+              <a:t>Each letter’s meaning</a:t>
+            </a:r>
+          </a:p>
+          <a:p>
+            <a:r>
+              <a:rPr lang="en-US" dirty="0" smtClean="0"/>
+              <a:t>AT command set (Hayes command set)</a:t>
+            </a:r>
+          </a:p>
+          <a:p>
+            <a:pPr lvl="1"/>
+            <a:r>
+              <a:rPr lang="en-US" dirty="0" smtClean="0"/>
+              <a:t>Compared to OBD commands</a:t>
+            </a:r>
+            <a:endParaRPr lang="en-US" dirty="0" smtClean="0"/>
+          </a:p>
+          <a:p>
+            <a:endParaRPr lang="en-US" dirty="0" smtClean="0"/>
+          </a:p>
+          <a:p>
+            <a:endParaRPr lang="en-US" dirty="0"/>
+          </a:p>
+          <a:p>
             <a:endParaRPr lang="en-US" dirty="0"/>
           </a:p>
         </p:txBody>
@@ -9407,7 +9625,7 @@
     </p:spTree>
     <p:extLst>
       <p:ext uri="{BB962C8B-B14F-4D97-AF65-F5344CB8AC3E}">
-        <p14:creationId xmlns:p14="http://schemas.microsoft.com/office/powerpoint/2010/main" val="104444160"/>
+        <p14:creationId xmlns:p14="http://schemas.microsoft.com/office/powerpoint/2010/main" val="2090535993"/>
       </p:ext>
     </p:extLst>
   </p:cSld>
@@ -9459,7 +9677,7 @@
             <a:pPr algn="ctr"/>
             <a:r>
               <a:rPr lang="en-US" dirty="0" smtClean="0"/>
-              <a:t>System Architecture</a:t>
+              <a:t>Requirement Analysis</a:t>
             </a:r>
             <a:endParaRPr lang="en-US" dirty="0"/>
           </a:p>
@@ -9482,77 +9700,60 @@
           <a:p>
             <a:r>
               <a:rPr lang="en-US" dirty="0" smtClean="0"/>
-              <a:t>Goal</a:t>
-            </a:r>
+              <a:t>User requirements </a:t>
+            </a:r>
+            <a:endParaRPr lang="en-US" dirty="0" smtClean="0"/>
           </a:p>
           <a:p>
             <a:pPr lvl="1"/>
             <a:r>
               <a:rPr lang="en-US" dirty="0" smtClean="0"/>
-              <a:t>Prototype: Incremental model</a:t>
+              <a:t>I want to do</a:t>
+            </a:r>
+            <a:endParaRPr lang="en-US" dirty="0"/>
+          </a:p>
+          <a:p>
+            <a:r>
+              <a:rPr lang="en-US" dirty="0"/>
+              <a:t>F</a:t>
+            </a:r>
+            <a:r>
+              <a:rPr lang="en-US" dirty="0" smtClean="0"/>
+              <a:t>unctional </a:t>
+            </a:r>
+            <a:r>
+              <a:rPr lang="en-US" dirty="0" smtClean="0"/>
+              <a:t>requirements</a:t>
             </a:r>
           </a:p>
           <a:p>
             <a:pPr lvl="1"/>
             <a:r>
               <a:rPr lang="en-US" dirty="0" smtClean="0"/>
-              <a:t>Identify Key technical risks</a:t>
+              <a:t>The system must have</a:t>
+            </a:r>
+            <a:endParaRPr lang="en-US" dirty="0" smtClean="0"/>
+          </a:p>
+          <a:p>
+            <a:r>
+              <a:rPr lang="en-US" dirty="0" smtClean="0"/>
+              <a:t>Non-functional </a:t>
+            </a:r>
+            <a:r>
+              <a:rPr lang="en-US" dirty="0" smtClean="0"/>
+              <a:t>requirements</a:t>
             </a:r>
           </a:p>
           <a:p>
             <a:pPr lvl="1"/>
             <a:r>
-              <a:rPr lang="en-US" dirty="0"/>
-              <a:t>Identify t</a:t>
-            </a:r>
-            <a:r>
               <a:rPr lang="en-US" dirty="0" smtClean="0"/>
-              <a:t>hread safety</a:t>
-            </a:r>
-          </a:p>
-          <a:p>
-            <a:r>
-              <a:rPr lang="en-US" dirty="0" smtClean="0"/>
-              <a:t>Constrains</a:t>
-            </a:r>
+              <a:t>The system should have</a:t>
+            </a:r>
+            <a:endParaRPr lang="en-US" dirty="0" smtClean="0"/>
           </a:p>
           <a:p>
             <a:pPr lvl="1"/>
-            <a:r>
-              <a:rPr lang="en-US" dirty="0" smtClean="0"/>
-              <a:t>OBD-II Wi-Fi scanner</a:t>
-            </a:r>
-          </a:p>
-          <a:p>
-            <a:pPr lvl="1"/>
-            <a:r>
-              <a:rPr lang="en-US" dirty="0" smtClean="0"/>
-              <a:t>Data download and upload</a:t>
-            </a:r>
-          </a:p>
-          <a:p>
-            <a:pPr lvl="1"/>
-            <a:r>
-              <a:rPr lang="en-US" dirty="0"/>
-              <a:t>D</a:t>
-            </a:r>
-            <a:r>
-              <a:rPr lang="en-US" dirty="0" smtClean="0"/>
-              <a:t>atabase server</a:t>
-            </a:r>
-          </a:p>
-          <a:p>
-            <a:pPr lvl="1"/>
-            <a:endParaRPr lang="en-US" dirty="0"/>
-          </a:p>
-          <a:p>
-            <a:pPr lvl="1"/>
-            <a:endParaRPr lang="en-US" dirty="0" smtClean="0"/>
-          </a:p>
-          <a:p>
-            <a:endParaRPr lang="en-US" dirty="0" smtClean="0"/>
-          </a:p>
-          <a:p>
             <a:endParaRPr lang="en-US" dirty="0"/>
           </a:p>
         </p:txBody>
@@ -9560,7 +9761,7 @@
     </p:spTree>
     <p:extLst>
       <p:ext uri="{BB962C8B-B14F-4D97-AF65-F5344CB8AC3E}">
-        <p14:creationId xmlns:p14="http://schemas.microsoft.com/office/powerpoint/2010/main" val="275811263"/>
+        <p14:creationId xmlns:p14="http://schemas.microsoft.com/office/powerpoint/2010/main" val="104444160"/>
       </p:ext>
     </p:extLst>
   </p:cSld>
@@ -9612,7 +9813,7 @@
             <a:pPr algn="ctr"/>
             <a:r>
               <a:rPr lang="en-US" dirty="0" smtClean="0"/>
-              <a:t>Continued</a:t>
+              <a:t>System Architecture</a:t>
             </a:r>
             <a:endParaRPr lang="en-US" dirty="0"/>
           </a:p>
@@ -9635,76 +9836,85 @@
           <a:p>
             <a:r>
               <a:rPr lang="en-US" dirty="0" smtClean="0"/>
-              <a:t>Key scenarios</a:t>
+              <a:t>Goal</a:t>
             </a:r>
           </a:p>
           <a:p>
             <a:pPr lvl="1"/>
             <a:r>
               <a:rPr lang="en-US" dirty="0" smtClean="0"/>
-              <a:t>Login , register, reset password and logout</a:t>
+              <a:t>Prototype: Incremental model</a:t>
             </a:r>
           </a:p>
           <a:p>
             <a:pPr lvl="1"/>
             <a:r>
               <a:rPr lang="en-US" dirty="0" smtClean="0"/>
-              <a:t>Download and upload user information</a:t>
+              <a:t>Identify Key technical risks</a:t>
             </a:r>
           </a:p>
           <a:p>
             <a:pPr lvl="1"/>
             <a:r>
+              <a:rPr lang="en-US" dirty="0"/>
+              <a:t>Identify t</a:t>
+            </a:r>
+            <a:r>
               <a:rPr lang="en-US" dirty="0" smtClean="0"/>
-              <a:t>Connect to scanner’s Wi-Fi</a:t>
+              <a:t>hread safety</a:t>
+            </a:r>
+          </a:p>
+          <a:p>
+            <a:r>
+              <a:rPr lang="en-US" dirty="0" smtClean="0"/>
+              <a:t>Constrains</a:t>
             </a:r>
           </a:p>
           <a:p>
             <a:pPr lvl="1"/>
             <a:r>
               <a:rPr lang="en-US" dirty="0" smtClean="0"/>
-              <a:t>Keep sending OBD-II PIDs</a:t>
+              <a:t>OBD-II Wi-Fi scanner</a:t>
             </a:r>
           </a:p>
           <a:p>
             <a:pPr lvl="1"/>
             <a:r>
               <a:rPr lang="en-US" dirty="0" smtClean="0"/>
-              <a:t>Save trip information</a:t>
+              <a:t>Data download and upload</a:t>
             </a:r>
           </a:p>
           <a:p>
             <a:pPr lvl="1"/>
             <a:r>
+              <a:rPr lang="en-US" dirty="0"/>
+              <a:t>D</a:t>
+            </a:r>
+            <a:r>
               <a:rPr lang="en-US" dirty="0" smtClean="0"/>
-              <a:t>Search trip information</a:t>
+              <a:t>atabase server</a:t>
             </a:r>
           </a:p>
           <a:p>
             <a:pPr lvl="1"/>
-            <a:r>
-              <a:rPr lang="en-US" dirty="0"/>
-              <a:t>Download and upload </a:t>
-            </a:r>
-            <a:r>
-              <a:rPr lang="en-US" dirty="0" smtClean="0"/>
-              <a:t>trip information</a:t>
-            </a:r>
+            <a:endParaRPr lang="en-US" dirty="0"/>
           </a:p>
           <a:p>
             <a:pPr lvl="1"/>
             <a:endParaRPr lang="en-US" dirty="0" smtClean="0"/>
           </a:p>
           <a:p>
-            <a:pPr lvl="1"/>
             <a:endParaRPr lang="en-US" dirty="0" smtClean="0"/>
+          </a:p>
+          <a:p>
+            <a:endParaRPr lang="en-US" dirty="0"/>
           </a:p>
         </p:txBody>
       </p:sp>
     </p:spTree>
     <p:extLst>
       <p:ext uri="{BB962C8B-B14F-4D97-AF65-F5344CB8AC3E}">
-        <p14:creationId xmlns:p14="http://schemas.microsoft.com/office/powerpoint/2010/main" val="1656626790"/>
+        <p14:creationId xmlns:p14="http://schemas.microsoft.com/office/powerpoint/2010/main" val="275811263"/>
       </p:ext>
     </p:extLst>
   </p:cSld>
@@ -9738,6 +9948,150 @@
           <a:chExt cx="0" cy="0"/>
         </a:xfrm>
       </p:grpSpPr>
+      <p:sp>
+        <p:nvSpPr>
+          <p:cNvPr id="2" name="Title 1"/>
+          <p:cNvSpPr>
+            <a:spLocks noGrp="1"/>
+          </p:cNvSpPr>
+          <p:nvPr>
+            <p:ph type="title"/>
+          </p:nvPr>
+        </p:nvSpPr>
+        <p:spPr/>
+        <p:txBody>
+          <a:bodyPr/>
+          <a:lstStyle/>
+          <a:p>
+            <a:pPr algn="ctr"/>
+            <a:r>
+              <a:rPr lang="en-US" dirty="0" smtClean="0"/>
+              <a:t>Continued</a:t>
+            </a:r>
+            <a:endParaRPr lang="en-US" dirty="0"/>
+          </a:p>
+        </p:txBody>
+      </p:sp>
+      <p:sp>
+        <p:nvSpPr>
+          <p:cNvPr id="3" name="Content Placeholder 2"/>
+          <p:cNvSpPr>
+            <a:spLocks noGrp="1"/>
+          </p:cNvSpPr>
+          <p:nvPr>
+            <p:ph idx="1"/>
+          </p:nvPr>
+        </p:nvSpPr>
+        <p:spPr/>
+        <p:txBody>
+          <a:bodyPr/>
+          <a:lstStyle/>
+          <a:p>
+            <a:r>
+              <a:rPr lang="en-US" dirty="0" smtClean="0"/>
+              <a:t>Key scenarios</a:t>
+            </a:r>
+          </a:p>
+          <a:p>
+            <a:pPr lvl="1"/>
+            <a:r>
+              <a:rPr lang="en-US" dirty="0" smtClean="0"/>
+              <a:t>Login , register, reset password and logout</a:t>
+            </a:r>
+          </a:p>
+          <a:p>
+            <a:pPr lvl="1"/>
+            <a:r>
+              <a:rPr lang="en-US" dirty="0" smtClean="0"/>
+              <a:t>Download and upload user information</a:t>
+            </a:r>
+          </a:p>
+          <a:p>
+            <a:pPr lvl="1"/>
+            <a:r>
+              <a:rPr lang="en-US" dirty="0" smtClean="0"/>
+              <a:t>Connect to scanner’s Wi-Fi</a:t>
+            </a:r>
+          </a:p>
+          <a:p>
+            <a:pPr lvl="1"/>
+            <a:r>
+              <a:rPr lang="en-US" dirty="0" smtClean="0"/>
+              <a:t>Keep sending OBD-II PIDs</a:t>
+            </a:r>
+          </a:p>
+          <a:p>
+            <a:pPr lvl="1"/>
+            <a:r>
+              <a:rPr lang="en-US" dirty="0" smtClean="0"/>
+              <a:t>Save trip information</a:t>
+            </a:r>
+          </a:p>
+          <a:p>
+            <a:pPr lvl="1"/>
+            <a:r>
+              <a:rPr lang="en-US" dirty="0" smtClean="0"/>
+              <a:t>Search trip information</a:t>
+            </a:r>
+          </a:p>
+          <a:p>
+            <a:pPr lvl="1"/>
+            <a:r>
+              <a:rPr lang="en-US" dirty="0"/>
+              <a:t>Download and upload </a:t>
+            </a:r>
+            <a:r>
+              <a:rPr lang="en-US" dirty="0" smtClean="0"/>
+              <a:t>trip information</a:t>
+            </a:r>
+          </a:p>
+          <a:p>
+            <a:pPr lvl="1"/>
+            <a:endParaRPr lang="en-US" dirty="0" smtClean="0"/>
+          </a:p>
+          <a:p>
+            <a:pPr lvl="1"/>
+            <a:endParaRPr lang="en-US" dirty="0" smtClean="0"/>
+          </a:p>
+        </p:txBody>
+      </p:sp>
+    </p:spTree>
+    <p:extLst>
+      <p:ext uri="{BB962C8B-B14F-4D97-AF65-F5344CB8AC3E}">
+        <p14:creationId xmlns:p14="http://schemas.microsoft.com/office/powerpoint/2010/main" val="1656626790"/>
+      </p:ext>
+    </p:extLst>
+  </p:cSld>
+  <p:clrMapOvr>
+    <a:masterClrMapping/>
+  </p:clrMapOvr>
+  <p:timing>
+    <p:tnLst>
+      <p:par>
+        <p:cTn id="1" dur="indefinite" restart="never" nodeType="tmRoot"/>
+      </p:par>
+    </p:tnLst>
+  </p:timing>
+</p:sld>
+</file>
+
+<file path=ppt/slides/slide9.xml><?xml version="1.0" encoding="utf-8"?>
+<p:sld xmlns:a="http://schemas.openxmlformats.org/drawingml/2006/main" xmlns:r="http://schemas.openxmlformats.org/officeDocument/2006/relationships" xmlns:p="http://schemas.openxmlformats.org/presentationml/2006/main">
+  <p:cSld>
+    <p:spTree>
+      <p:nvGrpSpPr>
+        <p:cNvPr id="1" name=""/>
+        <p:cNvGrpSpPr/>
+        <p:nvPr/>
+      </p:nvGrpSpPr>
+      <p:grpSpPr>
+        <a:xfrm>
+          <a:off x="0" y="0"/>
+          <a:ext cx="0" cy="0"/>
+          <a:chOff x="0" y="0"/>
+          <a:chExt cx="0" cy="0"/>
+        </a:xfrm>
+      </p:grpSpPr>
       <p:pic>
         <p:nvPicPr>
           <p:cNvPr id="4" name="Content Placeholder 3"/>
@@ -9777,139 +10131,6 @@
   <p:clrMapOvr>
     <a:masterClrMapping/>
   </p:clrMapOvr>
-</p:sld>
-</file>
-
-<file path=ppt/slides/slide9.xml><?xml version="1.0" encoding="utf-8"?>
-<p:sld xmlns:a="http://schemas.openxmlformats.org/drawingml/2006/main" xmlns:r="http://schemas.openxmlformats.org/officeDocument/2006/relationships" xmlns:p="http://schemas.openxmlformats.org/presentationml/2006/main">
-  <p:cSld>
-    <p:spTree>
-      <p:nvGrpSpPr>
-        <p:cNvPr id="1" name=""/>
-        <p:cNvGrpSpPr/>
-        <p:nvPr/>
-      </p:nvGrpSpPr>
-      <p:grpSpPr>
-        <a:xfrm>
-          <a:off x="0" y="0"/>
-          <a:ext cx="0" cy="0"/>
-          <a:chOff x="0" y="0"/>
-          <a:chExt cx="0" cy="0"/>
-        </a:xfrm>
-      </p:grpSpPr>
-      <p:sp>
-        <p:nvSpPr>
-          <p:cNvPr id="2" name="Title 1"/>
-          <p:cNvSpPr>
-            <a:spLocks noGrp="1"/>
-          </p:cNvSpPr>
-          <p:nvPr>
-            <p:ph type="title"/>
-          </p:nvPr>
-        </p:nvSpPr>
-        <p:spPr/>
-        <p:txBody>
-          <a:bodyPr/>
-          <a:lstStyle/>
-          <a:p>
-            <a:pPr algn="ctr"/>
-            <a:r>
-              <a:rPr lang="en-US" dirty="0" smtClean="0"/>
-              <a:t>Continued</a:t>
-            </a:r>
-            <a:endParaRPr lang="en-US" dirty="0"/>
-          </a:p>
-        </p:txBody>
-      </p:sp>
-      <p:sp>
-        <p:nvSpPr>
-          <p:cNvPr id="3" name="Content Placeholder 2"/>
-          <p:cNvSpPr>
-            <a:spLocks noGrp="1"/>
-          </p:cNvSpPr>
-          <p:nvPr>
-            <p:ph idx="1"/>
-          </p:nvPr>
-        </p:nvSpPr>
-        <p:spPr/>
-        <p:txBody>
-          <a:bodyPr/>
-          <a:lstStyle/>
-          <a:p>
-            <a:r>
-              <a:rPr lang="en-US" dirty="0" smtClean="0"/>
-              <a:t>Application Overview</a:t>
-            </a:r>
-          </a:p>
-          <a:p>
-            <a:pPr lvl="1"/>
-            <a:r>
-              <a:rPr lang="en-US" dirty="0" smtClean="0"/>
-              <a:t>Combination architecture styles: client/server, object-oriented</a:t>
-            </a:r>
-          </a:p>
-          <a:p>
-            <a:pPr lvl="1"/>
-            <a:r>
-              <a:rPr lang="en-US" dirty="0" smtClean="0"/>
-              <a:t>Tools and programming languages for server and client</a:t>
-            </a:r>
-          </a:p>
-          <a:p>
-            <a:pPr marL="342900" lvl="1" indent="-342900"/>
-            <a:r>
-              <a:rPr lang="en-US" sz="1800" dirty="0"/>
-              <a:t>Key issues and </a:t>
-            </a:r>
-            <a:r>
-              <a:rPr lang="en-US" sz="1800" dirty="0" smtClean="0"/>
-              <a:t>solution</a:t>
-            </a:r>
-          </a:p>
-          <a:p>
-            <a:pPr marL="742950" lvl="2" indent="-342900"/>
-            <a:r>
-              <a:rPr lang="en-US" dirty="0" smtClean="0"/>
-              <a:t>Performance, reliability, security</a:t>
-            </a:r>
-          </a:p>
-          <a:p>
-            <a:pPr marL="742950" lvl="2" indent="-342900"/>
-            <a:r>
-              <a:rPr lang="en-US" dirty="0" smtClean="0"/>
-              <a:t>Thread safety (UI, other activities)</a:t>
-            </a:r>
-          </a:p>
-          <a:p>
-            <a:pPr marL="742950" lvl="2" indent="-342900"/>
-            <a:r>
-              <a:rPr lang="en-US" dirty="0" smtClean="0"/>
-              <a:t>Extra data about the car</a:t>
-            </a:r>
-          </a:p>
-          <a:p>
-            <a:pPr marL="742950" lvl="2" indent="-342900"/>
-            <a:endParaRPr lang="en-US" dirty="0"/>
-          </a:p>
-        </p:txBody>
-      </p:sp>
-    </p:spTree>
-    <p:extLst>
-      <p:ext uri="{BB962C8B-B14F-4D97-AF65-F5344CB8AC3E}">
-        <p14:creationId xmlns:p14="http://schemas.microsoft.com/office/powerpoint/2010/main" val="54927072"/>
-      </p:ext>
-    </p:extLst>
-  </p:cSld>
-  <p:clrMapOvr>
-    <a:masterClrMapping/>
-  </p:clrMapOvr>
-  <p:timing>
-    <p:tnLst>
-      <p:par>
-        <p:cTn id="1" dur="indefinite" restart="never" nodeType="tmRoot"/>
-      </p:par>
-    </p:tnLst>
-  </p:timing>
 </p:sld>
 </file>
 

--- a/Dezheng_Presentation.pptx
+++ b/Dezheng_Presentation.pptx
@@ -4,28 +4,33 @@
   <p:sldMasterIdLst>
     <p:sldMasterId id="2147483648" r:id="rId1"/>
   </p:sldMasterIdLst>
+  <p:notesMasterIdLst>
+    <p:notesMasterId r:id="rId25"/>
+  </p:notesMasterIdLst>
   <p:sldIdLst>
     <p:sldId id="256" r:id="rId2"/>
-    <p:sldId id="276" r:id="rId3"/>
-    <p:sldId id="257" r:id="rId4"/>
+    <p:sldId id="257" r:id="rId3"/>
+    <p:sldId id="276" r:id="rId4"/>
     <p:sldId id="258" r:id="rId5"/>
     <p:sldId id="259" r:id="rId6"/>
-    <p:sldId id="260" r:id="rId7"/>
-    <p:sldId id="261" r:id="rId8"/>
-    <p:sldId id="262" r:id="rId9"/>
-    <p:sldId id="275" r:id="rId10"/>
-    <p:sldId id="263" r:id="rId11"/>
-    <p:sldId id="264" r:id="rId12"/>
-    <p:sldId id="270" r:id="rId13"/>
-    <p:sldId id="265" r:id="rId14"/>
-    <p:sldId id="271" r:id="rId15"/>
-    <p:sldId id="272" r:id="rId16"/>
-    <p:sldId id="266" r:id="rId17"/>
-    <p:sldId id="267" r:id="rId18"/>
-    <p:sldId id="268" r:id="rId19"/>
-    <p:sldId id="269" r:id="rId20"/>
-    <p:sldId id="273" r:id="rId21"/>
-    <p:sldId id="274" r:id="rId22"/>
+    <p:sldId id="278" r:id="rId7"/>
+    <p:sldId id="277" r:id="rId8"/>
+    <p:sldId id="260" r:id="rId9"/>
+    <p:sldId id="261" r:id="rId10"/>
+    <p:sldId id="262" r:id="rId11"/>
+    <p:sldId id="275" r:id="rId12"/>
+    <p:sldId id="263" r:id="rId13"/>
+    <p:sldId id="264" r:id="rId14"/>
+    <p:sldId id="270" r:id="rId15"/>
+    <p:sldId id="271" r:id="rId16"/>
+    <p:sldId id="272" r:id="rId17"/>
+    <p:sldId id="266" r:id="rId18"/>
+    <p:sldId id="279" r:id="rId19"/>
+    <p:sldId id="267" r:id="rId20"/>
+    <p:sldId id="268" r:id="rId21"/>
+    <p:sldId id="269" r:id="rId22"/>
+    <p:sldId id="273" r:id="rId23"/>
+    <p:sldId id="274" r:id="rId24"/>
   </p:sldIdLst>
   <p:sldSz cx="12192000" cy="6858000"/>
   <p:notesSz cx="6858000" cy="9144000"/>
@@ -130,10 +135,12 @@
         <p14:section name="Default Section" id="{7357114C-078E-9549-8C23-255D28DE9FEF}">
           <p14:sldIdLst>
             <p14:sldId id="256"/>
+            <p14:sldId id="257"/>
             <p14:sldId id="276"/>
-            <p14:sldId id="257"/>
             <p14:sldId id="258"/>
             <p14:sldId id="259"/>
+            <p14:sldId id="278"/>
+            <p14:sldId id="277"/>
             <p14:sldId id="260"/>
             <p14:sldId id="261"/>
             <p14:sldId id="262"/>
@@ -141,10 +148,10 @@
             <p14:sldId id="263"/>
             <p14:sldId id="264"/>
             <p14:sldId id="270"/>
-            <p14:sldId id="265"/>
             <p14:sldId id="271"/>
             <p14:sldId id="272"/>
             <p14:sldId id="266"/>
+            <p14:sldId id="279"/>
             <p14:sldId id="267"/>
             <p14:sldId id="268"/>
             <p14:sldId id="269"/>
@@ -159,6 +166,440 @@
     </p:ext>
   </p:extLst>
 </p:presentation>
+</file>
+
+<file path=ppt/notesMasters/notesMaster1.xml><?xml version="1.0" encoding="utf-8"?>
+<p:notesMaster xmlns:a="http://schemas.openxmlformats.org/drawingml/2006/main" xmlns:r="http://schemas.openxmlformats.org/officeDocument/2006/relationships" xmlns:p="http://schemas.openxmlformats.org/presentationml/2006/main">
+  <p:cSld>
+    <p:bg>
+      <p:bgRef idx="1001">
+        <a:schemeClr val="bg1"/>
+      </p:bgRef>
+    </p:bg>
+    <p:spTree>
+      <p:nvGrpSpPr>
+        <p:cNvPr id="1" name=""/>
+        <p:cNvGrpSpPr/>
+        <p:nvPr/>
+      </p:nvGrpSpPr>
+      <p:grpSpPr>
+        <a:xfrm>
+          <a:off x="0" y="0"/>
+          <a:ext cx="0" cy="0"/>
+          <a:chOff x="0" y="0"/>
+          <a:chExt cx="0" cy="0"/>
+        </a:xfrm>
+      </p:grpSpPr>
+      <p:sp>
+        <p:nvSpPr>
+          <p:cNvPr id="2" name="Header Placeholder 1"/>
+          <p:cNvSpPr>
+            <a:spLocks noGrp="1"/>
+          </p:cNvSpPr>
+          <p:nvPr>
+            <p:ph type="hdr" sz="quarter"/>
+          </p:nvPr>
+        </p:nvSpPr>
+        <p:spPr>
+          <a:xfrm>
+            <a:off x="0" y="0"/>
+            <a:ext cx="2971800" cy="458788"/>
+          </a:xfrm>
+          <a:prstGeom prst="rect">
+            <a:avLst/>
+          </a:prstGeom>
+        </p:spPr>
+        <p:txBody>
+          <a:bodyPr vert="horz" lIns="91440" tIns="45720" rIns="91440" bIns="45720" rtlCol="0"/>
+          <a:lstStyle>
+            <a:lvl1pPr algn="l">
+              <a:defRPr sz="1200"/>
+            </a:lvl1pPr>
+          </a:lstStyle>
+          <a:p>
+            <a:endParaRPr lang="en-US"/>
+          </a:p>
+        </p:txBody>
+      </p:sp>
+      <p:sp>
+        <p:nvSpPr>
+          <p:cNvPr id="3" name="Date Placeholder 2"/>
+          <p:cNvSpPr>
+            <a:spLocks noGrp="1"/>
+          </p:cNvSpPr>
+          <p:nvPr>
+            <p:ph type="dt" idx="1"/>
+          </p:nvPr>
+        </p:nvSpPr>
+        <p:spPr>
+          <a:xfrm>
+            <a:off x="3884613" y="0"/>
+            <a:ext cx="2971800" cy="458788"/>
+          </a:xfrm>
+          <a:prstGeom prst="rect">
+            <a:avLst/>
+          </a:prstGeom>
+        </p:spPr>
+        <p:txBody>
+          <a:bodyPr vert="horz" lIns="91440" tIns="45720" rIns="91440" bIns="45720" rtlCol="0"/>
+          <a:lstStyle>
+            <a:lvl1pPr algn="r">
+              <a:defRPr sz="1200"/>
+            </a:lvl1pPr>
+          </a:lstStyle>
+          <a:p>
+            <a:fld id="{4C5D22E1-C3FC-B543-94DF-D85B1AC2AD2B}" type="datetimeFigureOut">
+              <a:rPr lang="en-US" smtClean="0"/>
+              <a:t>5/12/17</a:t>
+            </a:fld>
+            <a:endParaRPr lang="en-US"/>
+          </a:p>
+        </p:txBody>
+      </p:sp>
+      <p:sp>
+        <p:nvSpPr>
+          <p:cNvPr id="4" name="Slide Image Placeholder 3"/>
+          <p:cNvSpPr>
+            <a:spLocks noGrp="1" noRot="1" noChangeAspect="1"/>
+          </p:cNvSpPr>
+          <p:nvPr>
+            <p:ph type="sldImg" idx="2"/>
+          </p:nvPr>
+        </p:nvSpPr>
+        <p:spPr>
+          <a:xfrm>
+            <a:off x="685800" y="1143000"/>
+            <a:ext cx="5486400" cy="3086100"/>
+          </a:xfrm>
+          <a:prstGeom prst="rect">
+            <a:avLst/>
+          </a:prstGeom>
+          <a:noFill/>
+          <a:ln w="12700">
+            <a:solidFill>
+              <a:prstClr val="black"/>
+            </a:solidFill>
+          </a:ln>
+        </p:spPr>
+        <p:txBody>
+          <a:bodyPr vert="horz" lIns="91440" tIns="45720" rIns="91440" bIns="45720" rtlCol="0" anchor="ctr"/>
+          <a:lstStyle/>
+          <a:p>
+            <a:endParaRPr lang="en-US"/>
+          </a:p>
+        </p:txBody>
+      </p:sp>
+      <p:sp>
+        <p:nvSpPr>
+          <p:cNvPr id="5" name="Notes Placeholder 4"/>
+          <p:cNvSpPr>
+            <a:spLocks noGrp="1"/>
+          </p:cNvSpPr>
+          <p:nvPr>
+            <p:ph type="body" sz="quarter" idx="3"/>
+          </p:nvPr>
+        </p:nvSpPr>
+        <p:spPr>
+          <a:xfrm>
+            <a:off x="685800" y="4400550"/>
+            <a:ext cx="5486400" cy="3600450"/>
+          </a:xfrm>
+          <a:prstGeom prst="rect">
+            <a:avLst/>
+          </a:prstGeom>
+        </p:spPr>
+        <p:txBody>
+          <a:bodyPr vert="horz" lIns="91440" tIns="45720" rIns="91440" bIns="45720" rtlCol="0"/>
+          <a:lstStyle/>
+          <a:p>
+            <a:pPr lvl="0"/>
+            <a:r>
+              <a:rPr lang="en-US" smtClean="0"/>
+              <a:t>Click to edit Master text styles</a:t>
+            </a:r>
+          </a:p>
+          <a:p>
+            <a:pPr lvl="1"/>
+            <a:r>
+              <a:rPr lang="en-US" smtClean="0"/>
+              <a:t>Second level</a:t>
+            </a:r>
+          </a:p>
+          <a:p>
+            <a:pPr lvl="2"/>
+            <a:r>
+              <a:rPr lang="en-US" smtClean="0"/>
+              <a:t>Third level</a:t>
+            </a:r>
+          </a:p>
+          <a:p>
+            <a:pPr lvl="3"/>
+            <a:r>
+              <a:rPr lang="en-US" smtClean="0"/>
+              <a:t>Fourth level</a:t>
+            </a:r>
+          </a:p>
+          <a:p>
+            <a:pPr lvl="4"/>
+            <a:r>
+              <a:rPr lang="en-US" smtClean="0"/>
+              <a:t>Fifth level</a:t>
+            </a:r>
+            <a:endParaRPr lang="en-US"/>
+          </a:p>
+        </p:txBody>
+      </p:sp>
+      <p:sp>
+        <p:nvSpPr>
+          <p:cNvPr id="6" name="Footer Placeholder 5"/>
+          <p:cNvSpPr>
+            <a:spLocks noGrp="1"/>
+          </p:cNvSpPr>
+          <p:nvPr>
+            <p:ph type="ftr" sz="quarter" idx="4"/>
+          </p:nvPr>
+        </p:nvSpPr>
+        <p:spPr>
+          <a:xfrm>
+            <a:off x="0" y="8685213"/>
+            <a:ext cx="2971800" cy="458787"/>
+          </a:xfrm>
+          <a:prstGeom prst="rect">
+            <a:avLst/>
+          </a:prstGeom>
+        </p:spPr>
+        <p:txBody>
+          <a:bodyPr vert="horz" lIns="91440" tIns="45720" rIns="91440" bIns="45720" rtlCol="0" anchor="b"/>
+          <a:lstStyle>
+            <a:lvl1pPr algn="l">
+              <a:defRPr sz="1200"/>
+            </a:lvl1pPr>
+          </a:lstStyle>
+          <a:p>
+            <a:endParaRPr lang="en-US"/>
+          </a:p>
+        </p:txBody>
+      </p:sp>
+      <p:sp>
+        <p:nvSpPr>
+          <p:cNvPr id="7" name="Slide Number Placeholder 6"/>
+          <p:cNvSpPr>
+            <a:spLocks noGrp="1"/>
+          </p:cNvSpPr>
+          <p:nvPr>
+            <p:ph type="sldNum" sz="quarter" idx="5"/>
+          </p:nvPr>
+        </p:nvSpPr>
+        <p:spPr>
+          <a:xfrm>
+            <a:off x="3884613" y="8685213"/>
+            <a:ext cx="2971800" cy="458787"/>
+          </a:xfrm>
+          <a:prstGeom prst="rect">
+            <a:avLst/>
+          </a:prstGeom>
+        </p:spPr>
+        <p:txBody>
+          <a:bodyPr vert="horz" lIns="91440" tIns="45720" rIns="91440" bIns="45720" rtlCol="0" anchor="b"/>
+          <a:lstStyle>
+            <a:lvl1pPr algn="r">
+              <a:defRPr sz="1200"/>
+            </a:lvl1pPr>
+          </a:lstStyle>
+          <a:p>
+            <a:fld id="{9AF7509F-3F27-0244-8BFE-DC44E8BF0799}" type="slidenum">
+              <a:rPr lang="en-US" smtClean="0"/>
+              <a:t>‹#›</a:t>
+            </a:fld>
+            <a:endParaRPr lang="en-US"/>
+          </a:p>
+        </p:txBody>
+      </p:sp>
+    </p:spTree>
+    <p:extLst>
+      <p:ext uri="{BB962C8B-B14F-4D97-AF65-F5344CB8AC3E}">
+        <p14:creationId xmlns:p14="http://schemas.microsoft.com/office/powerpoint/2010/main" val="846027154"/>
+      </p:ext>
+    </p:extLst>
+  </p:cSld>
+  <p:clrMap bg1="lt1" tx1="dk1" bg2="lt2" tx2="dk2" accent1="accent1" accent2="accent2" accent3="accent3" accent4="accent4" accent5="accent5" accent6="accent6" hlink="hlink" folHlink="folHlink"/>
+  <p:notesStyle>
+    <a:lvl1pPr marL="0" algn="l" defTabSz="914400" rtl="0" eaLnBrk="1" latinLnBrk="0" hangingPunct="1">
+      <a:defRPr sz="1200" kern="1200">
+        <a:solidFill>
+          <a:schemeClr val="tx1"/>
+        </a:solidFill>
+        <a:latin typeface="+mn-lt"/>
+        <a:ea typeface="+mn-ea"/>
+        <a:cs typeface="+mn-cs"/>
+      </a:defRPr>
+    </a:lvl1pPr>
+    <a:lvl2pPr marL="457200" algn="l" defTabSz="914400" rtl="0" eaLnBrk="1" latinLnBrk="0" hangingPunct="1">
+      <a:defRPr sz="1200" kern="1200">
+        <a:solidFill>
+          <a:schemeClr val="tx1"/>
+        </a:solidFill>
+        <a:latin typeface="+mn-lt"/>
+        <a:ea typeface="+mn-ea"/>
+        <a:cs typeface="+mn-cs"/>
+      </a:defRPr>
+    </a:lvl2pPr>
+    <a:lvl3pPr marL="914400" algn="l" defTabSz="914400" rtl="0" eaLnBrk="1" latinLnBrk="0" hangingPunct="1">
+      <a:defRPr sz="1200" kern="1200">
+        <a:solidFill>
+          <a:schemeClr val="tx1"/>
+        </a:solidFill>
+        <a:latin typeface="+mn-lt"/>
+        <a:ea typeface="+mn-ea"/>
+        <a:cs typeface="+mn-cs"/>
+      </a:defRPr>
+    </a:lvl3pPr>
+    <a:lvl4pPr marL="1371600" algn="l" defTabSz="914400" rtl="0" eaLnBrk="1" latinLnBrk="0" hangingPunct="1">
+      <a:defRPr sz="1200" kern="1200">
+        <a:solidFill>
+          <a:schemeClr val="tx1"/>
+        </a:solidFill>
+        <a:latin typeface="+mn-lt"/>
+        <a:ea typeface="+mn-ea"/>
+        <a:cs typeface="+mn-cs"/>
+      </a:defRPr>
+    </a:lvl4pPr>
+    <a:lvl5pPr marL="1828800" algn="l" defTabSz="914400" rtl="0" eaLnBrk="1" latinLnBrk="0" hangingPunct="1">
+      <a:defRPr sz="1200" kern="1200">
+        <a:solidFill>
+          <a:schemeClr val="tx1"/>
+        </a:solidFill>
+        <a:latin typeface="+mn-lt"/>
+        <a:ea typeface="+mn-ea"/>
+        <a:cs typeface="+mn-cs"/>
+      </a:defRPr>
+    </a:lvl5pPr>
+    <a:lvl6pPr marL="2286000" algn="l" defTabSz="914400" rtl="0" eaLnBrk="1" latinLnBrk="0" hangingPunct="1">
+      <a:defRPr sz="1200" kern="1200">
+        <a:solidFill>
+          <a:schemeClr val="tx1"/>
+        </a:solidFill>
+        <a:latin typeface="+mn-lt"/>
+        <a:ea typeface="+mn-ea"/>
+        <a:cs typeface="+mn-cs"/>
+      </a:defRPr>
+    </a:lvl6pPr>
+    <a:lvl7pPr marL="2743200" algn="l" defTabSz="914400" rtl="0" eaLnBrk="1" latinLnBrk="0" hangingPunct="1">
+      <a:defRPr sz="1200" kern="1200">
+        <a:solidFill>
+          <a:schemeClr val="tx1"/>
+        </a:solidFill>
+        <a:latin typeface="+mn-lt"/>
+        <a:ea typeface="+mn-ea"/>
+        <a:cs typeface="+mn-cs"/>
+      </a:defRPr>
+    </a:lvl7pPr>
+    <a:lvl8pPr marL="3200400" algn="l" defTabSz="914400" rtl="0" eaLnBrk="1" latinLnBrk="0" hangingPunct="1">
+      <a:defRPr sz="1200" kern="1200">
+        <a:solidFill>
+          <a:schemeClr val="tx1"/>
+        </a:solidFill>
+        <a:latin typeface="+mn-lt"/>
+        <a:ea typeface="+mn-ea"/>
+        <a:cs typeface="+mn-cs"/>
+      </a:defRPr>
+    </a:lvl8pPr>
+    <a:lvl9pPr marL="3657600" algn="l" defTabSz="914400" rtl="0" eaLnBrk="1" latinLnBrk="0" hangingPunct="1">
+      <a:defRPr sz="1200" kern="1200">
+        <a:solidFill>
+          <a:schemeClr val="tx1"/>
+        </a:solidFill>
+        <a:latin typeface="+mn-lt"/>
+        <a:ea typeface="+mn-ea"/>
+        <a:cs typeface="+mn-cs"/>
+      </a:defRPr>
+    </a:lvl9pPr>
+  </p:notesStyle>
+</p:notesMaster>
+</file>
+
+<file path=ppt/notesSlides/notesSlide1.xml><?xml version="1.0" encoding="utf-8"?>
+<p:notes xmlns:a="http://schemas.openxmlformats.org/drawingml/2006/main" xmlns:r="http://schemas.openxmlformats.org/officeDocument/2006/relationships" xmlns:p="http://schemas.openxmlformats.org/presentationml/2006/main">
+  <p:cSld>
+    <p:spTree>
+      <p:nvGrpSpPr>
+        <p:cNvPr id="1" name=""/>
+        <p:cNvGrpSpPr/>
+        <p:nvPr/>
+      </p:nvGrpSpPr>
+      <p:grpSpPr>
+        <a:xfrm>
+          <a:off x="0" y="0"/>
+          <a:ext cx="0" cy="0"/>
+          <a:chOff x="0" y="0"/>
+          <a:chExt cx="0" cy="0"/>
+        </a:xfrm>
+      </p:grpSpPr>
+      <p:sp>
+        <p:nvSpPr>
+          <p:cNvPr id="2" name="Slide Image Placeholder 1"/>
+          <p:cNvSpPr>
+            <a:spLocks noGrp="1" noRot="1" noChangeAspect="1"/>
+          </p:cNvSpPr>
+          <p:nvPr>
+            <p:ph type="sldImg"/>
+          </p:nvPr>
+        </p:nvSpPr>
+        <p:spPr/>
+      </p:sp>
+      <p:sp>
+        <p:nvSpPr>
+          <p:cNvPr id="3" name="Notes Placeholder 2"/>
+          <p:cNvSpPr>
+            <a:spLocks noGrp="1"/>
+          </p:cNvSpPr>
+          <p:nvPr>
+            <p:ph type="body" idx="1"/>
+          </p:nvPr>
+        </p:nvSpPr>
+        <p:spPr/>
+        <p:txBody>
+          <a:bodyPr/>
+          <a:lstStyle/>
+          <a:p>
+            <a:endParaRPr lang="en-US" dirty="0"/>
+          </a:p>
+        </p:txBody>
+      </p:sp>
+      <p:sp>
+        <p:nvSpPr>
+          <p:cNvPr id="4" name="Slide Number Placeholder 3"/>
+          <p:cNvSpPr>
+            <a:spLocks noGrp="1"/>
+          </p:cNvSpPr>
+          <p:nvPr>
+            <p:ph type="sldNum" sz="quarter" idx="10"/>
+          </p:nvPr>
+        </p:nvSpPr>
+        <p:spPr/>
+        <p:txBody>
+          <a:bodyPr/>
+          <a:lstStyle/>
+          <a:p>
+            <a:fld id="{9AF7509F-3F27-0244-8BFE-DC44E8BF0799}" type="slidenum">
+              <a:rPr lang="en-US" smtClean="0"/>
+              <a:t>2</a:t>
+            </a:fld>
+            <a:endParaRPr lang="en-US"/>
+          </a:p>
+        </p:txBody>
+      </p:sp>
+    </p:spTree>
+    <p:extLst>
+      <p:ext uri="{BB962C8B-B14F-4D97-AF65-F5344CB8AC3E}">
+        <p14:creationId xmlns:p14="http://schemas.microsoft.com/office/powerpoint/2010/main" val="418609810"/>
+      </p:ext>
+    </p:extLst>
+  </p:cSld>
+  <p:clrMapOvr>
+    <a:masterClrMapping/>
+  </p:clrMapOvr>
+</p:notes>
 </file>
 
 <file path=ppt/slideLayouts/slideLayout1.xml><?xml version="1.0" encoding="utf-8"?>
@@ -350,7 +791,7 @@
             <a:fld id="{B61BEF0D-F0BB-DE4B-95CE-6DB70DBA9567}" type="datetimeFigureOut">
               <a:rPr lang="en-US" dirty="0"/>
               <a:pPr/>
-              <a:t>5/11/17</a:t>
+              <a:t>5/12/17</a:t>
             </a:fld>
             <a:endParaRPr lang="en-US" dirty="0"/>
           </a:p>
@@ -685,7 +1126,7 @@
             <a:fld id="{B61BEF0D-F0BB-DE4B-95CE-6DB70DBA9567}" type="datetimeFigureOut">
               <a:rPr lang="en-US" dirty="0"/>
               <a:pPr/>
-              <a:t>5/11/17</a:t>
+              <a:t>5/12/17</a:t>
             </a:fld>
             <a:endParaRPr lang="en-US" dirty="0"/>
           </a:p>
@@ -1083,7 +1524,7 @@
             <a:fld id="{B61BEF0D-F0BB-DE4B-95CE-6DB70DBA9567}" type="datetimeFigureOut">
               <a:rPr lang="en-US" dirty="0"/>
               <a:pPr/>
-              <a:t>5/11/17</a:t>
+              <a:t>5/12/17</a:t>
             </a:fld>
             <a:endParaRPr lang="en-US" dirty="0"/>
           </a:p>
@@ -1416,7 +1857,7 @@
             <a:fld id="{B61BEF0D-F0BB-DE4B-95CE-6DB70DBA9567}" type="datetimeFigureOut">
               <a:rPr lang="en-US" dirty="0"/>
               <a:pPr/>
-              <a:t>5/11/17</a:t>
+              <a:t>5/12/17</a:t>
             </a:fld>
             <a:endParaRPr lang="en-US" dirty="0"/>
           </a:p>
@@ -1733,7 +2174,7 @@
             <a:fld id="{B61BEF0D-F0BB-DE4B-95CE-6DB70DBA9567}" type="datetimeFigureOut">
               <a:rPr lang="en-US" dirty="0"/>
               <a:pPr/>
-              <a:t>5/11/17</a:t>
+              <a:t>5/12/17</a:t>
             </a:fld>
             <a:endParaRPr lang="en-US" dirty="0"/>
           </a:p>
@@ -2126,7 +2567,7 @@
             <a:fld id="{B61BEF0D-F0BB-DE4B-95CE-6DB70DBA9567}" type="datetimeFigureOut">
               <a:rPr lang="en-US" dirty="0"/>
               <a:pPr/>
-              <a:t>5/11/17</a:t>
+              <a:t>5/12/17</a:t>
             </a:fld>
             <a:endParaRPr lang="en-US" dirty="0"/>
           </a:p>
@@ -2380,7 +2821,7 @@
             <a:fld id="{B61BEF0D-F0BB-DE4B-95CE-6DB70DBA9567}" type="datetimeFigureOut">
               <a:rPr lang="en-US" dirty="0"/>
               <a:pPr/>
-              <a:t>5/11/17</a:t>
+              <a:t>5/12/17</a:t>
             </a:fld>
             <a:endParaRPr lang="en-US" dirty="0"/>
           </a:p>
@@ -2639,7 +3080,7 @@
             <a:fld id="{B61BEF0D-F0BB-DE4B-95CE-6DB70DBA9567}" type="datetimeFigureOut">
               <a:rPr lang="en-US" dirty="0"/>
               <a:pPr/>
-              <a:t>5/11/17</a:t>
+              <a:t>5/12/17</a:t>
             </a:fld>
             <a:endParaRPr lang="en-US" dirty="0"/>
           </a:p>
@@ -2898,7 +3339,7 @@
             <a:fld id="{B61BEF0D-F0BB-DE4B-95CE-6DB70DBA9567}" type="datetimeFigureOut">
               <a:rPr lang="en-US" dirty="0"/>
               <a:pPr/>
-              <a:t>5/11/17</a:t>
+              <a:t>5/12/17</a:t>
             </a:fld>
             <a:endParaRPr lang="en-US" dirty="0"/>
           </a:p>
@@ -3224,7 +3665,7 @@
             <a:fld id="{B61BEF0D-F0BB-DE4B-95CE-6DB70DBA9567}" type="datetimeFigureOut">
               <a:rPr lang="en-US" dirty="0"/>
               <a:pPr/>
-              <a:t>5/11/17</a:t>
+              <a:t>5/12/17</a:t>
             </a:fld>
             <a:endParaRPr lang="en-US" dirty="0"/>
           </a:p>
@@ -3544,7 +3985,7 @@
             <a:fld id="{B61BEF0D-F0BB-DE4B-95CE-6DB70DBA9567}" type="datetimeFigureOut">
               <a:rPr lang="en-US" dirty="0"/>
               <a:pPr/>
-              <a:t>5/11/17</a:t>
+              <a:t>5/12/17</a:t>
             </a:fld>
             <a:endParaRPr lang="en-US" dirty="0"/>
           </a:p>
@@ -3998,7 +4439,7 @@
             <a:fld id="{B61BEF0D-F0BB-DE4B-95CE-6DB70DBA9567}" type="datetimeFigureOut">
               <a:rPr lang="en-US" dirty="0"/>
               <a:pPr/>
-              <a:t>5/11/17</a:t>
+              <a:t>5/12/17</a:t>
             </a:fld>
             <a:endParaRPr lang="en-US" dirty="0"/>
           </a:p>
@@ -4200,7 +4641,7 @@
             <a:fld id="{B61BEF0D-F0BB-DE4B-95CE-6DB70DBA9567}" type="datetimeFigureOut">
               <a:rPr lang="en-US" dirty="0"/>
               <a:pPr/>
-              <a:t>5/11/17</a:t>
+              <a:t>5/12/17</a:t>
             </a:fld>
             <a:endParaRPr lang="en-US" dirty="0"/>
           </a:p>
@@ -4374,7 +4815,7 @@
             <a:fld id="{B61BEF0D-F0BB-DE4B-95CE-6DB70DBA9567}" type="datetimeFigureOut">
               <a:rPr lang="en-US" dirty="0"/>
               <a:pPr/>
-              <a:t>5/11/17</a:t>
+              <a:t>5/12/17</a:t>
             </a:fld>
             <a:endParaRPr lang="en-US" dirty="0"/>
           </a:p>
@@ -4704,7 +5145,7 @@
             <a:fld id="{B61BEF0D-F0BB-DE4B-95CE-6DB70DBA9567}" type="datetimeFigureOut">
               <a:rPr lang="en-US" dirty="0"/>
               <a:pPr/>
-              <a:t>5/11/17</a:t>
+              <a:t>5/12/17</a:t>
             </a:fld>
             <a:endParaRPr lang="en-US" dirty="0"/>
           </a:p>
@@ -5046,7 +5487,7 @@
             <a:fld id="{B61BEF0D-F0BB-DE4B-95CE-6DB70DBA9567}" type="datetimeFigureOut">
               <a:rPr lang="en-US" dirty="0"/>
               <a:pPr/>
-              <a:t>5/11/17</a:t>
+              <a:t>5/12/17</a:t>
             </a:fld>
             <a:endParaRPr lang="en-US" dirty="0"/>
           </a:p>
@@ -7160,7 +7601,7 @@
             <a:fld id="{B61BEF0D-F0BB-DE4B-95CE-6DB70DBA9567}" type="datetimeFigureOut">
               <a:rPr lang="en-US" dirty="0"/>
               <a:pPr/>
-              <a:t>5/11/17</a:t>
+              <a:t>5/12/17</a:t>
             </a:fld>
             <a:endParaRPr lang="en-US" dirty="0"/>
           </a:p>
@@ -7811,12 +8252,10 @@
           <a:bodyPr/>
           <a:lstStyle/>
           <a:p>
-            <a:pPr algn="ctr"/>
-            <a:r>
-              <a:rPr lang="en-US" dirty="0" smtClean="0"/>
-              <a:t>Continued</a:t>
-            </a:r>
-            <a:endParaRPr lang="en-US" dirty="0"/>
+            <a:r>
+              <a:rPr lang="en-US" dirty="0"/>
+              <a:t>System Architecture</a:t>
+            </a:r>
           </a:p>
         </p:txBody>
       </p:sp>
@@ -7837,65 +8276,76 @@
           <a:p>
             <a:r>
               <a:rPr lang="en-US" dirty="0" smtClean="0"/>
-              <a:t>Application Overview</a:t>
+              <a:t>Key scenarios</a:t>
             </a:r>
           </a:p>
           <a:p>
             <a:pPr lvl="1"/>
             <a:r>
               <a:rPr lang="en-US" dirty="0" smtClean="0"/>
-              <a:t>Combination architecture styles: client/server, object-oriented</a:t>
+              <a:t>Login , register, reset password and logout</a:t>
             </a:r>
           </a:p>
           <a:p>
             <a:pPr lvl="1"/>
             <a:r>
               <a:rPr lang="en-US" dirty="0" smtClean="0"/>
-              <a:t>Tools and programming languages for server and client</a:t>
-            </a:r>
-          </a:p>
-          <a:p>
-            <a:pPr marL="342900" lvl="1" indent="-342900"/>
-            <a:r>
-              <a:rPr lang="en-US" sz="1800" dirty="0"/>
-              <a:t>Key issues and </a:t>
-            </a:r>
-            <a:r>
-              <a:rPr lang="en-US" sz="1800" dirty="0" smtClean="0"/>
-              <a:t>solution</a:t>
-            </a:r>
-          </a:p>
-          <a:p>
-            <a:pPr marL="742950" lvl="2" indent="-342900"/>
+              <a:t>Download and upload user information</a:t>
+            </a:r>
+          </a:p>
+          <a:p>
+            <a:pPr lvl="1"/>
             <a:r>
               <a:rPr lang="en-US" dirty="0" smtClean="0"/>
-              <a:t>Performance, reliability, security</a:t>
-            </a:r>
-          </a:p>
-          <a:p>
-            <a:pPr marL="742950" lvl="2" indent="-342900"/>
+              <a:t>Connect to scanner’s Wi-Fi</a:t>
+            </a:r>
+          </a:p>
+          <a:p>
+            <a:pPr lvl="1"/>
             <a:r>
               <a:rPr lang="en-US" dirty="0" smtClean="0"/>
-              <a:t>Thread safety (UI, other activities)</a:t>
-            </a:r>
-          </a:p>
-          <a:p>
-            <a:pPr marL="742950" lvl="2" indent="-342900"/>
+              <a:t>Keep sending OBD-II PIDs</a:t>
+            </a:r>
+          </a:p>
+          <a:p>
+            <a:pPr lvl="1"/>
             <a:r>
               <a:rPr lang="en-US" dirty="0" smtClean="0"/>
-              <a:t>Extra data about the car</a:t>
-            </a:r>
-          </a:p>
-          <a:p>
-            <a:pPr marL="742950" lvl="2" indent="-342900"/>
-            <a:endParaRPr lang="en-US" dirty="0"/>
+              <a:t>Save trip information</a:t>
+            </a:r>
+          </a:p>
+          <a:p>
+            <a:pPr lvl="1"/>
+            <a:r>
+              <a:rPr lang="en-US" dirty="0" smtClean="0"/>
+              <a:t>Search trip information</a:t>
+            </a:r>
+          </a:p>
+          <a:p>
+            <a:pPr lvl="1"/>
+            <a:r>
+              <a:rPr lang="en-US" dirty="0"/>
+              <a:t>Download and upload </a:t>
+            </a:r>
+            <a:r>
+              <a:rPr lang="en-US" dirty="0" smtClean="0"/>
+              <a:t>trip information</a:t>
+            </a:r>
+          </a:p>
+          <a:p>
+            <a:pPr lvl="1"/>
+            <a:endParaRPr lang="en-US" dirty="0" smtClean="0"/>
+          </a:p>
+          <a:p>
+            <a:pPr lvl="1"/>
+            <a:endParaRPr lang="en-US" dirty="0" smtClean="0"/>
           </a:p>
         </p:txBody>
       </p:sp>
     </p:spTree>
     <p:extLst>
       <p:ext uri="{BB962C8B-B14F-4D97-AF65-F5344CB8AC3E}">
-        <p14:creationId xmlns:p14="http://schemas.microsoft.com/office/powerpoint/2010/main" val="54927072"/>
+        <p14:creationId xmlns:p14="http://schemas.microsoft.com/office/powerpoint/2010/main" val="1656626790"/>
       </p:ext>
     </p:extLst>
   </p:cSld>
@@ -7929,6 +8379,95 @@
           <a:chExt cx="0" cy="0"/>
         </a:xfrm>
       </p:grpSpPr>
+      <p:pic>
+        <p:nvPicPr>
+          <p:cNvPr id="4" name="Content Placeholder 3"/>
+          <p:cNvPicPr>
+            <a:picLocks noGrp="1" noChangeAspect="1"/>
+          </p:cNvPicPr>
+          <p:nvPr>
+            <p:ph idx="1"/>
+          </p:nvPr>
+        </p:nvPicPr>
+        <p:blipFill>
+          <a:blip r:embed="rId2">
+            <a:extLst>
+              <a:ext uri="{28A0092B-C50C-407E-A947-70E740481C1C}">
+                <a14:useLocalDpi xmlns:a14="http://schemas.microsoft.com/office/drawing/2010/main" val="0"/>
+              </a:ext>
+            </a:extLst>
+          </a:blip>
+          <a:stretch>
+            <a:fillRect/>
+          </a:stretch>
+        </p:blipFill>
+        <p:spPr>
+          <a:xfrm>
+            <a:off x="3131128" y="1427017"/>
+            <a:ext cx="6359236" cy="4641273"/>
+          </a:xfrm>
+        </p:spPr>
+      </p:pic>
+      <p:sp>
+        <p:nvSpPr>
+          <p:cNvPr id="2" name="TextBox 1"/>
+          <p:cNvSpPr txBox="1"/>
+          <p:nvPr/>
+        </p:nvSpPr>
+        <p:spPr>
+          <a:xfrm>
+            <a:off x="3131128" y="515698"/>
+            <a:ext cx="7684655" cy="646331"/>
+          </a:xfrm>
+          <a:prstGeom prst="rect">
+            <a:avLst/>
+          </a:prstGeom>
+          <a:noFill/>
+        </p:spPr>
+        <p:txBody>
+          <a:bodyPr wrap="square" rtlCol="0">
+            <a:spAutoFit/>
+          </a:bodyPr>
+          <a:lstStyle/>
+          <a:p>
+            <a:r>
+              <a:rPr lang="en-US" sz="3600" dirty="0" smtClean="0"/>
+              <a:t>High level architecture</a:t>
+            </a:r>
+            <a:endParaRPr lang="en-US" sz="3600" dirty="0"/>
+          </a:p>
+        </p:txBody>
+      </p:sp>
+    </p:spTree>
+    <p:extLst>
+      <p:ext uri="{BB962C8B-B14F-4D97-AF65-F5344CB8AC3E}">
+        <p14:creationId xmlns:p14="http://schemas.microsoft.com/office/powerpoint/2010/main" val="1939218913"/>
+      </p:ext>
+    </p:extLst>
+  </p:cSld>
+  <p:clrMapOvr>
+    <a:masterClrMapping/>
+  </p:clrMapOvr>
+</p:sld>
+</file>
+
+<file path=ppt/slides/slide12.xml><?xml version="1.0" encoding="utf-8"?>
+<p:sld xmlns:a="http://schemas.openxmlformats.org/drawingml/2006/main" xmlns:r="http://schemas.openxmlformats.org/officeDocument/2006/relationships" xmlns:p="http://schemas.openxmlformats.org/presentationml/2006/main">
+  <p:cSld>
+    <p:spTree>
+      <p:nvGrpSpPr>
+        <p:cNvPr id="1" name=""/>
+        <p:cNvGrpSpPr/>
+        <p:nvPr/>
+      </p:nvGrpSpPr>
+      <p:grpSpPr>
+        <a:xfrm>
+          <a:off x="0" y="0"/>
+          <a:ext cx="0" cy="0"/>
+          <a:chOff x="0" y="0"/>
+          <a:chExt cx="0" cy="0"/>
+        </a:xfrm>
+      </p:grpSpPr>
       <p:sp>
         <p:nvSpPr>
           <p:cNvPr id="2" name="Title 1"/>
@@ -7944,7 +8483,137 @@
           <a:bodyPr/>
           <a:lstStyle/>
           <a:p>
-            <a:pPr algn="ctr"/>
+            <a:r>
+              <a:rPr lang="en-US" dirty="0"/>
+              <a:t>System Architecture</a:t>
+            </a:r>
+          </a:p>
+        </p:txBody>
+      </p:sp>
+      <p:sp>
+        <p:nvSpPr>
+          <p:cNvPr id="3" name="Content Placeholder 2"/>
+          <p:cNvSpPr>
+            <a:spLocks noGrp="1"/>
+          </p:cNvSpPr>
+          <p:nvPr>
+            <p:ph idx="1"/>
+          </p:nvPr>
+        </p:nvSpPr>
+        <p:spPr/>
+        <p:txBody>
+          <a:bodyPr/>
+          <a:lstStyle/>
+          <a:p>
+            <a:r>
+              <a:rPr lang="en-US" dirty="0" smtClean="0"/>
+              <a:t>Application Overview</a:t>
+            </a:r>
+          </a:p>
+          <a:p>
+            <a:pPr lvl="1"/>
+            <a:r>
+              <a:rPr lang="en-US" dirty="0" smtClean="0"/>
+              <a:t>Combination architecture styles: client/server, object-oriented</a:t>
+            </a:r>
+          </a:p>
+          <a:p>
+            <a:pPr lvl="1"/>
+            <a:r>
+              <a:rPr lang="en-US" dirty="0" smtClean="0"/>
+              <a:t>Tools and programming languages for server and client</a:t>
+            </a:r>
+          </a:p>
+          <a:p>
+            <a:pPr marL="342900" lvl="1" indent="-342900"/>
+            <a:r>
+              <a:rPr lang="en-US" sz="1800" dirty="0"/>
+              <a:t>Key issues and </a:t>
+            </a:r>
+            <a:r>
+              <a:rPr lang="en-US" sz="1800" dirty="0" smtClean="0"/>
+              <a:t>solution</a:t>
+            </a:r>
+          </a:p>
+          <a:p>
+            <a:pPr marL="742950" lvl="2" indent="-342900"/>
+            <a:r>
+              <a:rPr lang="en-US" dirty="0" smtClean="0"/>
+              <a:t>Performance, reliability, security</a:t>
+            </a:r>
+          </a:p>
+          <a:p>
+            <a:pPr marL="742950" lvl="2" indent="-342900"/>
+            <a:r>
+              <a:rPr lang="en-US" dirty="0" smtClean="0"/>
+              <a:t>Thread safety (UI, other activities)</a:t>
+            </a:r>
+          </a:p>
+          <a:p>
+            <a:pPr marL="742950" lvl="2" indent="-342900"/>
+            <a:r>
+              <a:rPr lang="en-US" dirty="0" smtClean="0"/>
+              <a:t>Extra data about the car</a:t>
+            </a:r>
+          </a:p>
+          <a:p>
+            <a:pPr marL="742950" lvl="2" indent="-342900"/>
+            <a:endParaRPr lang="en-US" dirty="0"/>
+          </a:p>
+        </p:txBody>
+      </p:sp>
+    </p:spTree>
+    <p:extLst>
+      <p:ext uri="{BB962C8B-B14F-4D97-AF65-F5344CB8AC3E}">
+        <p14:creationId xmlns:p14="http://schemas.microsoft.com/office/powerpoint/2010/main" val="54927072"/>
+      </p:ext>
+    </p:extLst>
+  </p:cSld>
+  <p:clrMapOvr>
+    <a:masterClrMapping/>
+  </p:clrMapOvr>
+  <p:timing>
+    <p:tnLst>
+      <p:par>
+        <p:cTn id="1" dur="indefinite" restart="never" nodeType="tmRoot"/>
+      </p:par>
+    </p:tnLst>
+  </p:timing>
+</p:sld>
+</file>
+
+<file path=ppt/slides/slide13.xml><?xml version="1.0" encoding="utf-8"?>
+<p:sld xmlns:a="http://schemas.openxmlformats.org/drawingml/2006/main" xmlns:r="http://schemas.openxmlformats.org/officeDocument/2006/relationships" xmlns:p="http://schemas.openxmlformats.org/presentationml/2006/main">
+  <p:cSld>
+    <p:spTree>
+      <p:nvGrpSpPr>
+        <p:cNvPr id="1" name=""/>
+        <p:cNvGrpSpPr/>
+        <p:nvPr/>
+      </p:nvGrpSpPr>
+      <p:grpSpPr>
+        <a:xfrm>
+          <a:off x="0" y="0"/>
+          <a:ext cx="0" cy="0"/>
+          <a:chOff x="0" y="0"/>
+          <a:chExt cx="0" cy="0"/>
+        </a:xfrm>
+      </p:grpSpPr>
+      <p:sp>
+        <p:nvSpPr>
+          <p:cNvPr id="2" name="Title 1"/>
+          <p:cNvSpPr>
+            <a:spLocks noGrp="1"/>
+          </p:cNvSpPr>
+          <p:nvPr>
+            <p:ph type="title"/>
+          </p:nvPr>
+        </p:nvSpPr>
+        <p:spPr/>
+        <p:txBody>
+          <a:bodyPr/>
+          <a:lstStyle/>
+          <a:p>
             <a:r>
               <a:rPr lang="en-US" dirty="0" smtClean="0"/>
               <a:t>Detailed system design</a:t>
@@ -8027,7 +8696,7 @@
 </p:sld>
 </file>
 
-<file path=ppt/slides/slide12.xml><?xml version="1.0" encoding="utf-8"?>
+<file path=ppt/slides/slide14.xml><?xml version="1.0" encoding="utf-8"?>
 <p:sld xmlns:a="http://schemas.openxmlformats.org/drawingml/2006/main" xmlns:r="http://schemas.openxmlformats.org/officeDocument/2006/relationships" xmlns:p="http://schemas.openxmlformats.org/presentationml/2006/main">
   <p:cSld>
     <p:spTree>
@@ -8066,11 +8735,11 @@
           </a:bodyPr>
           <a:lstStyle/>
           <a:p>
-            <a:pPr algn="ctr"/>
-            <a:r>
-              <a:rPr lang="en-US" dirty="0"/>
-              <a:t>Continued</a:t>
-            </a:r>
+            <a:r>
+              <a:rPr lang="en-US" dirty="0" smtClean="0"/>
+              <a:t>Use case diagram</a:t>
+            </a:r>
+            <a:endParaRPr lang="en-US" dirty="0"/>
           </a:p>
         </p:txBody>
       </p:sp>
@@ -8123,7 +8792,7 @@
 </p:sld>
 </file>
 
-<file path=ppt/slides/slide13.xml><?xml version="1.0" encoding="utf-8"?>
+<file path=ppt/slides/slide15.xml><?xml version="1.0" encoding="utf-8"?>
 <p:sld xmlns:a="http://schemas.openxmlformats.org/drawingml/2006/main" xmlns:r="http://schemas.openxmlformats.org/officeDocument/2006/relationships" xmlns:p="http://schemas.openxmlformats.org/presentationml/2006/main">
   <p:cSld>
     <p:spTree>
@@ -8152,122 +8821,19 @@
         </p:nvSpPr>
         <p:spPr>
           <a:xfrm>
-            <a:off x="2592925" y="651819"/>
-            <a:ext cx="8911687" cy="1280890"/>
+            <a:off x="2592925" y="624110"/>
+            <a:ext cx="8911687" cy="724399"/>
           </a:xfrm>
         </p:spPr>
         <p:txBody>
-          <a:bodyPr/>
-          <a:lstStyle/>
-          <a:p>
-            <a:pPr algn="ctr"/>
-            <a:r>
-              <a:rPr lang="en-US" dirty="0"/>
-              <a:t>Continued</a:t>
-            </a:r>
-          </a:p>
-        </p:txBody>
-      </p:sp>
-      <p:sp>
-        <p:nvSpPr>
-          <p:cNvPr id="3" name="Content Placeholder 2"/>
-          <p:cNvSpPr>
-            <a:spLocks noGrp="1"/>
-          </p:cNvSpPr>
-          <p:nvPr>
-            <p:ph idx="1"/>
-          </p:nvPr>
-        </p:nvSpPr>
-        <p:spPr/>
-        <p:txBody>
-          <a:bodyPr/>
-          <a:lstStyle/>
-          <a:p>
-            <a:r>
-              <a:rPr lang="en-US" dirty="0" smtClean="0"/>
-              <a:t>How distance was calculated</a:t>
-            </a:r>
-          </a:p>
-          <a:p>
-            <a:r>
-              <a:rPr lang="en-US" dirty="0" smtClean="0"/>
-              <a:t>How fuel cost was calculated</a:t>
-            </a:r>
-          </a:p>
-          <a:p>
-            <a:r>
-              <a:rPr lang="en-US" dirty="0" smtClean="0"/>
-              <a:t>How sharp acceleration times and sharp braking times were calculated</a:t>
-            </a:r>
-          </a:p>
-          <a:p>
-            <a:endParaRPr lang="en-US" dirty="0"/>
-          </a:p>
-        </p:txBody>
-      </p:sp>
-    </p:spTree>
-    <p:extLst>
-      <p:ext uri="{BB962C8B-B14F-4D97-AF65-F5344CB8AC3E}">
-        <p14:creationId xmlns:p14="http://schemas.microsoft.com/office/powerpoint/2010/main" val="108326208"/>
-      </p:ext>
-    </p:extLst>
-  </p:cSld>
-  <p:clrMapOvr>
-    <a:masterClrMapping/>
-  </p:clrMapOvr>
-  <p:timing>
-    <p:tnLst>
-      <p:par>
-        <p:cTn id="1" dur="indefinite" restart="never" nodeType="tmRoot"/>
-      </p:par>
-    </p:tnLst>
-  </p:timing>
-</p:sld>
-</file>
-
-<file path=ppt/slides/slide14.xml><?xml version="1.0" encoding="utf-8"?>
-<p:sld xmlns:a="http://schemas.openxmlformats.org/drawingml/2006/main" xmlns:r="http://schemas.openxmlformats.org/officeDocument/2006/relationships" xmlns:p="http://schemas.openxmlformats.org/presentationml/2006/main">
-  <p:cSld>
-    <p:spTree>
-      <p:nvGrpSpPr>
-        <p:cNvPr id="1" name=""/>
-        <p:cNvGrpSpPr/>
-        <p:nvPr/>
-      </p:nvGrpSpPr>
-      <p:grpSpPr>
-        <a:xfrm>
-          <a:off x="0" y="0"/>
-          <a:ext cx="0" cy="0"/>
-          <a:chOff x="0" y="0"/>
-          <a:chExt cx="0" cy="0"/>
-        </a:xfrm>
-      </p:grpSpPr>
-      <p:sp>
-        <p:nvSpPr>
-          <p:cNvPr id="2" name="Title 1"/>
-          <p:cNvSpPr>
-            <a:spLocks noGrp="1"/>
-          </p:cNvSpPr>
-          <p:nvPr>
-            <p:ph type="title"/>
-          </p:nvPr>
-        </p:nvSpPr>
-        <p:spPr>
-          <a:xfrm>
-            <a:off x="2592925" y="624110"/>
-            <a:ext cx="8911687" cy="124035"/>
-          </a:xfrm>
-        </p:spPr>
-        <p:txBody>
           <a:bodyPr>
-            <a:normAutofit fontScale="90000"/>
+            <a:normAutofit/>
           </a:bodyPr>
           <a:lstStyle/>
           <a:p>
-            <a:pPr algn="ctr"/>
             <a:r>
               <a:rPr lang="en-US" dirty="0" smtClean="0"/>
-              <a:t>Continued</a:t>
+              <a:t>Class diagram</a:t>
             </a:r>
             <a:endParaRPr lang="en-US" dirty="0"/>
           </a:p>
@@ -8322,7 +8888,7 @@
 </p:sld>
 </file>
 
-<file path=ppt/slides/slide15.xml><?xml version="1.0" encoding="utf-8"?>
+<file path=ppt/slides/slide16.xml><?xml version="1.0" encoding="utf-8"?>
 <p:sld xmlns:a="http://schemas.openxmlformats.org/drawingml/2006/main" xmlns:r="http://schemas.openxmlformats.org/officeDocument/2006/relationships" xmlns:p="http://schemas.openxmlformats.org/presentationml/2006/main">
   <p:cSld>
     <p:spTree>
@@ -8354,11 +8920,11 @@
           <a:bodyPr/>
           <a:lstStyle/>
           <a:p>
-            <a:pPr algn="ctr"/>
-            <a:r>
-              <a:rPr lang="en-US" dirty="0"/>
-              <a:t>Continued</a:t>
-            </a:r>
+            <a:r>
+              <a:rPr lang="en-US" dirty="0" smtClean="0"/>
+              <a:t>Sequence diagram</a:t>
+            </a:r>
+            <a:endParaRPr lang="en-US" dirty="0"/>
           </a:p>
         </p:txBody>
       </p:sp>
@@ -8411,7 +8977,7 @@
 </p:sld>
 </file>
 
-<file path=ppt/slides/slide16.xml><?xml version="1.0" encoding="utf-8"?>
+<file path=ppt/slides/slide17.xml><?xml version="1.0" encoding="utf-8"?>
 <p:sld xmlns:a="http://schemas.openxmlformats.org/drawingml/2006/main" xmlns:r="http://schemas.openxmlformats.org/officeDocument/2006/relationships" xmlns:p="http://schemas.openxmlformats.org/presentationml/2006/main">
   <p:cSld>
     <p:spTree>
@@ -8443,11 +9009,11 @@
           <a:bodyPr/>
           <a:lstStyle/>
           <a:p>
-            <a:pPr algn="ctr"/>
-            <a:r>
-              <a:rPr lang="en-US" dirty="0"/>
-              <a:t>Continued</a:t>
-            </a:r>
+            <a:r>
+              <a:rPr lang="en-US" dirty="0" smtClean="0"/>
+              <a:t>GUI design</a:t>
+            </a:r>
+            <a:endParaRPr lang="en-US" dirty="0"/>
           </a:p>
         </p:txBody>
       </p:sp>
@@ -8582,122 +9148,6 @@
 </p:sld>
 </file>
 
-<file path=ppt/slides/slide17.xml><?xml version="1.0" encoding="utf-8"?>
-<p:sld xmlns:a="http://schemas.openxmlformats.org/drawingml/2006/main" xmlns:r="http://schemas.openxmlformats.org/officeDocument/2006/relationships" xmlns:p="http://schemas.openxmlformats.org/presentationml/2006/main">
-  <p:cSld>
-    <p:spTree>
-      <p:nvGrpSpPr>
-        <p:cNvPr id="1" name=""/>
-        <p:cNvGrpSpPr/>
-        <p:nvPr/>
-      </p:nvGrpSpPr>
-      <p:grpSpPr>
-        <a:xfrm>
-          <a:off x="0" y="0"/>
-          <a:ext cx="0" cy="0"/>
-          <a:chOff x="0" y="0"/>
-          <a:chExt cx="0" cy="0"/>
-        </a:xfrm>
-      </p:grpSpPr>
-      <p:sp>
-        <p:nvSpPr>
-          <p:cNvPr id="2" name="Title 1"/>
-          <p:cNvSpPr>
-            <a:spLocks noGrp="1"/>
-          </p:cNvSpPr>
-          <p:nvPr>
-            <p:ph type="title"/>
-          </p:nvPr>
-        </p:nvSpPr>
-        <p:spPr/>
-        <p:txBody>
-          <a:bodyPr/>
-          <a:lstStyle/>
-          <a:p>
-            <a:pPr algn="ctr"/>
-            <a:r>
-              <a:rPr lang="en-US" dirty="0" smtClean="0"/>
-              <a:t>Testing</a:t>
-            </a:r>
-            <a:endParaRPr lang="en-US" dirty="0"/>
-          </a:p>
-        </p:txBody>
-      </p:sp>
-      <p:sp>
-        <p:nvSpPr>
-          <p:cNvPr id="3" name="Content Placeholder 2"/>
-          <p:cNvSpPr>
-            <a:spLocks noGrp="1"/>
-          </p:cNvSpPr>
-          <p:nvPr>
-            <p:ph idx="1"/>
-          </p:nvPr>
-        </p:nvSpPr>
-        <p:spPr/>
-        <p:txBody>
-          <a:bodyPr/>
-          <a:lstStyle/>
-          <a:p>
-            <a:r>
-              <a:rPr lang="en-US" dirty="0" smtClean="0"/>
-              <a:t>Testing plan</a:t>
-            </a:r>
-          </a:p>
-          <a:p>
-            <a:pPr lvl="1"/>
-            <a:r>
-              <a:rPr lang="en-US" dirty="0" smtClean="0"/>
-              <a:t>Server side, Postman</a:t>
-            </a:r>
-          </a:p>
-          <a:p>
-            <a:pPr lvl="1"/>
-            <a:r>
-              <a:rPr lang="en-US" dirty="0" smtClean="0"/>
-              <a:t>Client side</a:t>
-            </a:r>
-          </a:p>
-          <a:p>
-            <a:pPr lvl="1"/>
-            <a:r>
-              <a:rPr lang="en-US" dirty="0" smtClean="0"/>
-              <a:t>UI testing in </a:t>
-            </a:r>
-            <a:r>
-              <a:rPr lang="en-US" dirty="0" err="1" smtClean="0"/>
-              <a:t>Xcode</a:t>
-            </a:r>
-            <a:endParaRPr lang="en-US" dirty="0" smtClean="0"/>
-          </a:p>
-          <a:p>
-            <a:pPr lvl="1"/>
-            <a:r>
-              <a:rPr lang="en-US" dirty="0" smtClean="0"/>
-              <a:t>Code coverage</a:t>
-            </a:r>
-          </a:p>
-        </p:txBody>
-      </p:sp>
-    </p:spTree>
-    <p:extLst>
-      <p:ext uri="{BB962C8B-B14F-4D97-AF65-F5344CB8AC3E}">
-        <p14:creationId xmlns:p14="http://schemas.microsoft.com/office/powerpoint/2010/main" val="1766143432"/>
-      </p:ext>
-    </p:extLst>
-  </p:cSld>
-  <p:clrMapOvr>
-    <a:masterClrMapping/>
-  </p:clrMapOvr>
-  <p:timing>
-    <p:tnLst>
-      <p:par>
-        <p:cTn id="1" dur="indefinite" restart="never" nodeType="tmRoot"/>
-      </p:par>
-    </p:tnLst>
-  </p:timing>
-</p:sld>
-</file>
-
 <file path=ppt/slides/slide18.xml><?xml version="1.0" encoding="utf-8"?>
 <p:sld xmlns:a="http://schemas.openxmlformats.org/drawingml/2006/main" xmlns:r="http://schemas.openxmlformats.org/officeDocument/2006/relationships" xmlns:p="http://schemas.openxmlformats.org/presentationml/2006/main">
   <p:cSld>
@@ -8715,39 +9165,75 @@
           <a:chExt cx="0" cy="0"/>
         </a:xfrm>
       </p:grpSpPr>
-      <p:pic>
-        <p:nvPicPr>
-          <p:cNvPr id="4" name="Content Placeholder 3"/>
-          <p:cNvPicPr>
-            <a:picLocks noGrp="1" noChangeAspect="1"/>
-          </p:cNvPicPr>
-          <p:nvPr>
-            <p:ph idx="1"/>
-          </p:nvPr>
-        </p:nvPicPr>
-        <p:blipFill>
-          <a:blip r:embed="rId2">
-            <a:extLst>
-              <a:ext uri="{28A0092B-C50C-407E-A947-70E740481C1C}">
-                <a14:useLocalDpi xmlns:a14="http://schemas.microsoft.com/office/drawing/2010/main" val="0"/>
-              </a:ext>
-            </a:extLst>
-          </a:blip>
-          <a:stretch>
-            <a:fillRect/>
-          </a:stretch>
-        </p:blipFill>
+      <p:sp>
+        <p:nvSpPr>
+          <p:cNvPr id="2" name="Title 1"/>
+          <p:cNvSpPr>
+            <a:spLocks noGrp="1"/>
+          </p:cNvSpPr>
+          <p:nvPr>
+            <p:ph type="title"/>
+          </p:nvPr>
+        </p:nvSpPr>
         <p:spPr>
           <a:xfrm>
-            <a:off x="4758267" y="694267"/>
-            <a:ext cx="4470400" cy="5825066"/>
+            <a:off x="2592925" y="651819"/>
+            <a:ext cx="8911687" cy="1280890"/>
           </a:xfrm>
         </p:spPr>
-      </p:pic>
+        <p:txBody>
+          <a:bodyPr/>
+          <a:lstStyle/>
+          <a:p>
+            <a:r>
+              <a:rPr lang="en-US" dirty="0" smtClean="0"/>
+              <a:t>Key values</a:t>
+            </a:r>
+            <a:endParaRPr lang="en-US" dirty="0"/>
+          </a:p>
+        </p:txBody>
+      </p:sp>
+      <p:sp>
+        <p:nvSpPr>
+          <p:cNvPr id="3" name="Content Placeholder 2"/>
+          <p:cNvSpPr>
+            <a:spLocks noGrp="1"/>
+          </p:cNvSpPr>
+          <p:nvPr>
+            <p:ph idx="1"/>
+          </p:nvPr>
+        </p:nvSpPr>
+        <p:spPr/>
+        <p:txBody>
+          <a:bodyPr/>
+          <a:lstStyle/>
+          <a:p>
+            <a:r>
+              <a:rPr lang="en-US" dirty="0" smtClean="0"/>
+              <a:t>How distance was calculated</a:t>
+            </a:r>
+          </a:p>
+          <a:p>
+            <a:r>
+              <a:rPr lang="en-US" dirty="0" smtClean="0"/>
+              <a:t>How fuel cost was calculated</a:t>
+            </a:r>
+          </a:p>
+          <a:p>
+            <a:r>
+              <a:rPr lang="en-US" dirty="0" smtClean="0"/>
+              <a:t>How sharp acceleration times and sharp braking times were calculated</a:t>
+            </a:r>
+          </a:p>
+          <a:p>
+            <a:endParaRPr lang="en-US" dirty="0"/>
+          </a:p>
+        </p:txBody>
+      </p:sp>
     </p:spTree>
     <p:extLst>
       <p:ext uri="{BB962C8B-B14F-4D97-AF65-F5344CB8AC3E}">
-        <p14:creationId xmlns:p14="http://schemas.microsoft.com/office/powerpoint/2010/main" val="1390647153"/>
+        <p14:creationId xmlns:p14="http://schemas.microsoft.com/office/powerpoint/2010/main" val="1804196989"/>
       </p:ext>
     </p:extLst>
   </p:cSld>
@@ -8796,78 +9282,66 @@
           <a:bodyPr/>
           <a:lstStyle/>
           <a:p>
-            <a:pPr algn="ctr"/>
             <a:r>
               <a:rPr lang="en-US" dirty="0" smtClean="0"/>
-              <a:t>Continued</a:t>
+              <a:t>Testing</a:t>
             </a:r>
             <a:endParaRPr lang="en-US" dirty="0"/>
           </a:p>
         </p:txBody>
       </p:sp>
-      <p:pic>
-        <p:nvPicPr>
-          <p:cNvPr id="7" name="Content Placeholder 6"/>
-          <p:cNvPicPr>
-            <a:picLocks noGrp="1" noChangeAspect="1"/>
-          </p:cNvPicPr>
+      <p:sp>
+        <p:nvSpPr>
+          <p:cNvPr id="3" name="Content Placeholder 2"/>
+          <p:cNvSpPr>
+            <a:spLocks noGrp="1"/>
+          </p:cNvSpPr>
           <p:nvPr>
             <p:ph idx="1"/>
           </p:nvPr>
-        </p:nvPicPr>
-        <p:blipFill>
-          <a:blip r:embed="rId2">
-            <a:extLst>
-              <a:ext uri="{28A0092B-C50C-407E-A947-70E740481C1C}">
-                <a14:useLocalDpi xmlns:a14="http://schemas.microsoft.com/office/drawing/2010/main" val="0"/>
-              </a:ext>
-            </a:extLst>
-          </a:blip>
-          <a:stretch>
-            <a:fillRect/>
-          </a:stretch>
-        </p:blipFill>
-        <p:spPr>
-          <a:xfrm>
-            <a:off x="2592925" y="2026666"/>
-            <a:ext cx="3580878" cy="3778250"/>
-          </a:xfrm>
-        </p:spPr>
-      </p:pic>
-      <p:pic>
-        <p:nvPicPr>
-          <p:cNvPr id="8" name="Picture 7"/>
-          <p:cNvPicPr>
-            <a:picLocks noChangeAspect="1"/>
-          </p:cNvPicPr>
-          <p:nvPr/>
-        </p:nvPicPr>
-        <p:blipFill>
-          <a:blip r:embed="rId3">
-            <a:extLst>
-              <a:ext uri="{28A0092B-C50C-407E-A947-70E740481C1C}">
-                <a14:useLocalDpi xmlns:a14="http://schemas.microsoft.com/office/drawing/2010/main" val="0"/>
-              </a:ext>
-            </a:extLst>
-          </a:blip>
-          <a:stretch>
-            <a:fillRect/>
-          </a:stretch>
-        </p:blipFill>
-        <p:spPr>
-          <a:xfrm>
-            <a:off x="6577011" y="2026666"/>
-            <a:ext cx="4927601" cy="3778250"/>
-          </a:xfrm>
-          <a:prstGeom prst="rect">
-            <a:avLst/>
-          </a:prstGeom>
-        </p:spPr>
-      </p:pic>
+        </p:nvSpPr>
+        <p:spPr/>
+        <p:txBody>
+          <a:bodyPr/>
+          <a:lstStyle/>
+          <a:p>
+            <a:r>
+              <a:rPr lang="en-US" dirty="0" smtClean="0"/>
+              <a:t>Testing plan</a:t>
+            </a:r>
+          </a:p>
+          <a:p>
+            <a:pPr lvl="1"/>
+            <a:r>
+              <a:rPr lang="en-US" dirty="0" smtClean="0"/>
+              <a:t>Server side, Postman</a:t>
+            </a:r>
+          </a:p>
+          <a:p>
+            <a:pPr lvl="1"/>
+            <a:r>
+              <a:rPr lang="en-US" dirty="0" smtClean="0"/>
+              <a:t>Client side</a:t>
+            </a:r>
+          </a:p>
+          <a:p>
+            <a:pPr lvl="1"/>
+            <a:r>
+              <a:rPr lang="en-US" dirty="0" smtClean="0"/>
+              <a:t>UI testing in </a:t>
+            </a:r>
+            <a:r>
+              <a:rPr lang="en-US" dirty="0" err="1" smtClean="0"/>
+              <a:t>Xcode</a:t>
+            </a:r>
+            <a:endParaRPr lang="en-US" dirty="0" smtClean="0"/>
+          </a:p>
+        </p:txBody>
+      </p:sp>
     </p:spTree>
     <p:extLst>
       <p:ext uri="{BB962C8B-B14F-4D97-AF65-F5344CB8AC3E}">
-        <p14:creationId xmlns:p14="http://schemas.microsoft.com/office/powerpoint/2010/main" val="528445825"/>
+        <p14:creationId xmlns:p14="http://schemas.microsoft.com/office/powerpoint/2010/main" val="1766143432"/>
       </p:ext>
     </p:extLst>
   </p:cSld>
@@ -8916,10 +9390,9 @@
           <a:bodyPr/>
           <a:lstStyle/>
           <a:p>
-            <a:pPr algn="ctr"/>
             <a:r>
               <a:rPr lang="en-US" dirty="0" smtClean="0"/>
-              <a:t>Glossary</a:t>
+              <a:t>Introduction</a:t>
             </a:r>
             <a:endParaRPr lang="en-US" dirty="0"/>
           </a:p>
@@ -8942,89 +9415,75 @@
           <a:p>
             <a:r>
               <a:rPr lang="en-US" dirty="0"/>
-              <a:t>Onboard Diagnostic </a:t>
+              <a:t>D</a:t>
             </a:r>
             <a:r>
               <a:rPr lang="en-US" dirty="0" smtClean="0"/>
-              <a:t>systems (OBD) </a:t>
-            </a:r>
-            <a:endParaRPr lang="en-US" dirty="0"/>
-          </a:p>
-          <a:p>
+              <a:t>ifficult </a:t>
+            </a:r>
             <a:r>
               <a:rPr lang="en-US" dirty="0"/>
-              <a:t>Onboard Diagnostic II scanner </a:t>
+              <a:t>to </a:t>
             </a:r>
             <a:r>
               <a:rPr lang="en-US" dirty="0" smtClean="0"/>
-              <a:t>(OBD-II scanner)</a:t>
-            </a:r>
-            <a:endParaRPr lang="en-US" dirty="0"/>
-          </a:p>
-          <a:p>
+              <a:t>imagine </a:t>
+            </a:r>
             <a:r>
               <a:rPr lang="en-US" dirty="0"/>
-              <a:t>Onboard Diagnostic II Parameter IDs </a:t>
+              <a:t>life without </a:t>
             </a:r>
             <a:r>
               <a:rPr lang="en-US" dirty="0" smtClean="0"/>
-              <a:t>(OBD-II PIDs)</a:t>
-            </a:r>
-            <a:endParaRPr lang="en-US" dirty="0"/>
-          </a:p>
-          <a:p>
-            <a:r>
-              <a:rPr lang="en-US" dirty="0"/>
-              <a:t>Diagnostic Trouble Codes </a:t>
-            </a:r>
+              <a:t>driving.</a:t>
+            </a:r>
+          </a:p>
+          <a:p>
+            <a:r>
+              <a:rPr lang="en-US" altLang="zh-CN" dirty="0" smtClean="0"/>
+              <a:t>On-Board Diagnostic applications</a:t>
+            </a:r>
+            <a:endParaRPr lang="en-US" altLang="zh-CN" dirty="0" smtClean="0"/>
+          </a:p>
+          <a:p>
             <a:r>
               <a:rPr lang="en-US" dirty="0" smtClean="0"/>
-              <a:t>(DTCs)</a:t>
-            </a:r>
-            <a:endParaRPr lang="en-US" dirty="0"/>
-          </a:p>
-          <a:p>
-            <a:r>
-              <a:rPr lang="en-US" dirty="0"/>
-              <a:t>Attention command set </a:t>
-            </a:r>
-            <a:r>
-              <a:rPr lang="en-US" dirty="0" smtClean="0"/>
-              <a:t>(AT command)</a:t>
-            </a:r>
-          </a:p>
-          <a:p>
-            <a:r>
-              <a:rPr lang="de-DE" dirty="0"/>
-              <a:t>ELM327</a:t>
-            </a:r>
-            <a:r>
-              <a:rPr lang="de-DE" b="1" dirty="0"/>
-              <a:t> </a:t>
-            </a:r>
-            <a:endParaRPr lang="de-DE" dirty="0"/>
-          </a:p>
-          <a:p>
-            <a:endParaRPr lang="en-US" dirty="0"/>
-          </a:p>
-          <a:p>
-            <a:endParaRPr lang="en-US" dirty="0"/>
-          </a:p>
-          <a:p>
-            <a:endParaRPr lang="en-US" dirty="0"/>
+              <a:t>Disadvantages of </a:t>
+            </a:r>
+            <a:r>
+              <a:rPr lang="en-US" altLang="zh-CN" dirty="0"/>
+              <a:t>OBD applications </a:t>
+            </a:r>
+            <a:r>
+              <a:rPr lang="en-US" altLang="zh-CN" dirty="0" smtClean="0"/>
+              <a:t>in APP Store</a:t>
+            </a:r>
+          </a:p>
+          <a:p>
+            <a:r>
+              <a:rPr lang="en-US" altLang="zh-CN" dirty="0" smtClean="0"/>
+              <a:t>Advantages of Riding Mechanic</a:t>
+            </a:r>
           </a:p>
         </p:txBody>
       </p:sp>
     </p:spTree>
     <p:extLst>
       <p:ext uri="{BB962C8B-B14F-4D97-AF65-F5344CB8AC3E}">
-        <p14:creationId xmlns:p14="http://schemas.microsoft.com/office/powerpoint/2010/main" val="518785644"/>
+        <p14:creationId xmlns:p14="http://schemas.microsoft.com/office/powerpoint/2010/main" val="1123654307"/>
       </p:ext>
     </p:extLst>
   </p:cSld>
   <p:clrMapOvr>
     <a:masterClrMapping/>
   </p:clrMapOvr>
+  <p:timing>
+    <p:tnLst>
+      <p:par>
+        <p:cTn id="1" dur="indefinite" restart="never" nodeType="tmRoot"/>
+      </p:par>
+    </p:tnLst>
+  </p:timing>
 </p:sld>
 </file>
 
@@ -9045,77 +9504,72 @@
           <a:chExt cx="0" cy="0"/>
         </a:xfrm>
       </p:grpSpPr>
-      <p:sp>
-        <p:nvSpPr>
-          <p:cNvPr id="2" name="Title 1"/>
-          <p:cNvSpPr>
-            <a:spLocks noGrp="1"/>
-          </p:cNvSpPr>
-          <p:nvPr>
-            <p:ph type="title"/>
-          </p:nvPr>
-        </p:nvSpPr>
-        <p:spPr/>
-        <p:txBody>
-          <a:bodyPr/>
+      <p:pic>
+        <p:nvPicPr>
+          <p:cNvPr id="4" name="Content Placeholder 3"/>
+          <p:cNvPicPr>
+            <a:picLocks noGrp="1" noChangeAspect="1"/>
+          </p:cNvPicPr>
+          <p:nvPr>
+            <p:ph idx="1"/>
+          </p:nvPr>
+        </p:nvPicPr>
+        <p:blipFill>
+          <a:blip r:embed="rId2">
+            <a:extLst>
+              <a:ext uri="{28A0092B-C50C-407E-A947-70E740481C1C}">
+                <a14:useLocalDpi xmlns:a14="http://schemas.microsoft.com/office/drawing/2010/main" val="0"/>
+              </a:ext>
+            </a:extLst>
+          </a:blip>
+          <a:stretch>
+            <a:fillRect/>
+          </a:stretch>
+        </p:blipFill>
+        <p:spPr>
+          <a:xfrm>
+            <a:off x="4578158" y="969818"/>
+            <a:ext cx="4470400" cy="5771188"/>
+          </a:xfrm>
+        </p:spPr>
+      </p:pic>
+      <p:sp>
+        <p:nvSpPr>
+          <p:cNvPr id="2" name="TextBox 1"/>
+          <p:cNvSpPr txBox="1"/>
+          <p:nvPr/>
+        </p:nvSpPr>
+        <p:spPr>
+          <a:xfrm>
+            <a:off x="2486121" y="346364"/>
+            <a:ext cx="4184073" cy="923330"/>
+          </a:xfrm>
+          <a:prstGeom prst="rect">
+            <a:avLst/>
+          </a:prstGeom>
+          <a:noFill/>
+        </p:spPr>
+        <p:txBody>
+          <a:bodyPr wrap="square" rtlCol="0">
+            <a:spAutoFit/>
+          </a:bodyPr>
           <a:lstStyle/>
           <a:p>
-            <a:pPr algn="ctr"/>
-            <a:r>
-              <a:rPr lang="en-US" dirty="0" smtClean="0"/>
-              <a:t>Conclusion</a:t>
-            </a:r>
+            <a:pPr marL="0" lvl="1"/>
+            <a:r>
+              <a:rPr lang="en-US" sz="3600" dirty="0"/>
+              <a:t>Code coverage</a:t>
+            </a:r>
+          </a:p>
+          <a:p>
             <a:endParaRPr lang="en-US" dirty="0"/>
-          </a:p>
-        </p:txBody>
-      </p:sp>
-      <p:sp>
-        <p:nvSpPr>
-          <p:cNvPr id="3" name="Content Placeholder 2"/>
-          <p:cNvSpPr>
-            <a:spLocks noGrp="1"/>
-          </p:cNvSpPr>
-          <p:nvPr>
-            <p:ph idx="1"/>
-          </p:nvPr>
-        </p:nvSpPr>
-        <p:spPr/>
-        <p:txBody>
-          <a:bodyPr/>
-          <a:lstStyle/>
-          <a:p>
-            <a:r>
-              <a:rPr lang="en-US" dirty="0" smtClean="0"/>
-              <a:t>Conclusion</a:t>
-            </a:r>
-          </a:p>
-          <a:p>
-            <a:pPr lvl="1"/>
-            <a:r>
-              <a:rPr lang="en-US" dirty="0" smtClean="0"/>
-              <a:t>Achievement</a:t>
-            </a:r>
-          </a:p>
-          <a:p>
-            <a:pPr lvl="1"/>
-            <a:r>
-              <a:rPr lang="en-US" dirty="0" smtClean="0"/>
-              <a:t>Defects</a:t>
-            </a:r>
-          </a:p>
-          <a:p>
-            <a:pPr marL="342900" lvl="1" indent="-342900"/>
-            <a:r>
-              <a:rPr lang="en-US" sz="1800" dirty="0"/>
-              <a:t>Future Work</a:t>
-            </a:r>
           </a:p>
         </p:txBody>
       </p:sp>
     </p:spTree>
     <p:extLst>
       <p:ext uri="{BB962C8B-B14F-4D97-AF65-F5344CB8AC3E}">
-        <p14:creationId xmlns:p14="http://schemas.microsoft.com/office/powerpoint/2010/main" val="47836116"/>
+        <p14:creationId xmlns:p14="http://schemas.microsoft.com/office/powerpoint/2010/main" val="1390647153"/>
       </p:ext>
     </p:extLst>
   </p:cSld>
@@ -9164,7 +9618,223 @@
           <a:bodyPr/>
           <a:lstStyle/>
           <a:p>
-            <a:pPr algn="ctr"/>
+            <a:r>
+              <a:rPr lang="en-US" dirty="0" smtClean="0"/>
+              <a:t>Comparison</a:t>
+            </a:r>
+            <a:endParaRPr lang="en-US" dirty="0"/>
+          </a:p>
+        </p:txBody>
+      </p:sp>
+      <p:pic>
+        <p:nvPicPr>
+          <p:cNvPr id="8" name="Picture 7"/>
+          <p:cNvPicPr>
+            <a:picLocks noChangeAspect="1"/>
+          </p:cNvPicPr>
+          <p:nvPr/>
+        </p:nvPicPr>
+        <p:blipFill>
+          <a:blip r:embed="rId2">
+            <a:extLst>
+              <a:ext uri="{28A0092B-C50C-407E-A947-70E740481C1C}">
+                <a14:useLocalDpi xmlns:a14="http://schemas.microsoft.com/office/drawing/2010/main" val="0"/>
+              </a:ext>
+            </a:extLst>
+          </a:blip>
+          <a:stretch>
+            <a:fillRect/>
+          </a:stretch>
+        </p:blipFill>
+        <p:spPr>
+          <a:xfrm>
+            <a:off x="4411878" y="2043546"/>
+            <a:ext cx="5270067" cy="4211643"/>
+          </a:xfrm>
+          <a:prstGeom prst="rect">
+            <a:avLst/>
+          </a:prstGeom>
+        </p:spPr>
+      </p:pic>
+      <p:sp>
+        <p:nvSpPr>
+          <p:cNvPr id="3" name="Content Placeholder 2"/>
+          <p:cNvSpPr>
+            <a:spLocks noGrp="1"/>
+          </p:cNvSpPr>
+          <p:nvPr>
+            <p:ph idx="1"/>
+          </p:nvPr>
+        </p:nvSpPr>
+        <p:spPr>
+          <a:xfrm>
+            <a:off x="2589212" y="2937164"/>
+            <a:ext cx="8915400" cy="2974058"/>
+          </a:xfrm>
+        </p:spPr>
+        <p:txBody>
+          <a:bodyPr/>
+          <a:lstStyle/>
+          <a:p>
+            <a:endParaRPr lang="en-US" dirty="0"/>
+          </a:p>
+        </p:txBody>
+      </p:sp>
+    </p:spTree>
+    <p:extLst>
+      <p:ext uri="{BB962C8B-B14F-4D97-AF65-F5344CB8AC3E}">
+        <p14:creationId xmlns:p14="http://schemas.microsoft.com/office/powerpoint/2010/main" val="528445825"/>
+      </p:ext>
+    </p:extLst>
+  </p:cSld>
+  <p:clrMapOvr>
+    <a:masterClrMapping/>
+  </p:clrMapOvr>
+  <p:timing>
+    <p:tnLst>
+      <p:par>
+        <p:cTn id="1" dur="indefinite" restart="never" nodeType="tmRoot"/>
+      </p:par>
+    </p:tnLst>
+  </p:timing>
+</p:sld>
+</file>
+
+<file path=ppt/slides/slide22.xml><?xml version="1.0" encoding="utf-8"?>
+<p:sld xmlns:a="http://schemas.openxmlformats.org/drawingml/2006/main" xmlns:r="http://schemas.openxmlformats.org/officeDocument/2006/relationships" xmlns:p="http://schemas.openxmlformats.org/presentationml/2006/main">
+  <p:cSld>
+    <p:spTree>
+      <p:nvGrpSpPr>
+        <p:cNvPr id="1" name=""/>
+        <p:cNvGrpSpPr/>
+        <p:nvPr/>
+      </p:nvGrpSpPr>
+      <p:grpSpPr>
+        <a:xfrm>
+          <a:off x="0" y="0"/>
+          <a:ext cx="0" cy="0"/>
+          <a:chOff x="0" y="0"/>
+          <a:chExt cx="0" cy="0"/>
+        </a:xfrm>
+      </p:grpSpPr>
+      <p:sp>
+        <p:nvSpPr>
+          <p:cNvPr id="2" name="Title 1"/>
+          <p:cNvSpPr>
+            <a:spLocks noGrp="1"/>
+          </p:cNvSpPr>
+          <p:nvPr>
+            <p:ph type="title"/>
+          </p:nvPr>
+        </p:nvSpPr>
+        <p:spPr/>
+        <p:txBody>
+          <a:bodyPr/>
+          <a:lstStyle/>
+          <a:p>
+            <a:r>
+              <a:rPr lang="en-US" dirty="0" smtClean="0"/>
+              <a:t>Conclusion</a:t>
+            </a:r>
+            <a:endParaRPr lang="en-US" dirty="0"/>
+          </a:p>
+        </p:txBody>
+      </p:sp>
+      <p:sp>
+        <p:nvSpPr>
+          <p:cNvPr id="3" name="Content Placeholder 2"/>
+          <p:cNvSpPr>
+            <a:spLocks noGrp="1"/>
+          </p:cNvSpPr>
+          <p:nvPr>
+            <p:ph idx="1"/>
+          </p:nvPr>
+        </p:nvSpPr>
+        <p:spPr/>
+        <p:txBody>
+          <a:bodyPr/>
+          <a:lstStyle/>
+          <a:p>
+            <a:r>
+              <a:rPr lang="en-US" dirty="0" smtClean="0"/>
+              <a:t>Conclusion</a:t>
+            </a:r>
+          </a:p>
+          <a:p>
+            <a:pPr lvl="1"/>
+            <a:r>
+              <a:rPr lang="en-US" dirty="0" smtClean="0"/>
+              <a:t>Achievement</a:t>
+            </a:r>
+          </a:p>
+          <a:p>
+            <a:pPr lvl="1"/>
+            <a:r>
+              <a:rPr lang="en-US" dirty="0" smtClean="0"/>
+              <a:t>Defects</a:t>
+            </a:r>
+          </a:p>
+          <a:p>
+            <a:pPr marL="342900" lvl="1" indent="-342900"/>
+            <a:r>
+              <a:rPr lang="en-US" sz="1800" dirty="0"/>
+              <a:t>Future Work</a:t>
+            </a:r>
+          </a:p>
+        </p:txBody>
+      </p:sp>
+    </p:spTree>
+    <p:extLst>
+      <p:ext uri="{BB962C8B-B14F-4D97-AF65-F5344CB8AC3E}">
+        <p14:creationId xmlns:p14="http://schemas.microsoft.com/office/powerpoint/2010/main" val="47836116"/>
+      </p:ext>
+    </p:extLst>
+  </p:cSld>
+  <p:clrMapOvr>
+    <a:masterClrMapping/>
+  </p:clrMapOvr>
+  <p:timing>
+    <p:tnLst>
+      <p:par>
+        <p:cTn id="1" dur="indefinite" restart="never" nodeType="tmRoot"/>
+      </p:par>
+    </p:tnLst>
+  </p:timing>
+</p:sld>
+</file>
+
+<file path=ppt/slides/slide23.xml><?xml version="1.0" encoding="utf-8"?>
+<p:sld xmlns:a="http://schemas.openxmlformats.org/drawingml/2006/main" xmlns:r="http://schemas.openxmlformats.org/officeDocument/2006/relationships" xmlns:p="http://schemas.openxmlformats.org/presentationml/2006/main">
+  <p:cSld>
+    <p:spTree>
+      <p:nvGrpSpPr>
+        <p:cNvPr id="1" name=""/>
+        <p:cNvGrpSpPr/>
+        <p:nvPr/>
+      </p:nvGrpSpPr>
+      <p:grpSpPr>
+        <a:xfrm>
+          <a:off x="0" y="0"/>
+          <a:ext cx="0" cy="0"/>
+          <a:chOff x="0" y="0"/>
+          <a:chExt cx="0" cy="0"/>
+        </a:xfrm>
+      </p:grpSpPr>
+      <p:sp>
+        <p:nvSpPr>
+          <p:cNvPr id="2" name="Title 1"/>
+          <p:cNvSpPr>
+            <a:spLocks noGrp="1"/>
+          </p:cNvSpPr>
+          <p:nvPr>
+            <p:ph type="title"/>
+          </p:nvPr>
+        </p:nvSpPr>
+        <p:spPr/>
+        <p:txBody>
+          <a:bodyPr/>
+          <a:lstStyle/>
+          <a:p>
             <a:r>
               <a:rPr lang="en-US" dirty="0" smtClean="0"/>
               <a:t>Demo</a:t>
@@ -9187,6 +9857,42 @@
         <p:txBody>
           <a:bodyPr/>
           <a:lstStyle/>
+          <a:p>
+            <a:r>
+              <a:rPr lang="en-US" dirty="0" smtClean="0"/>
+              <a:t>Register, login, reset password</a:t>
+            </a:r>
+          </a:p>
+          <a:p>
+            <a:r>
+              <a:rPr lang="en-US" dirty="0" smtClean="0"/>
+              <a:t>Start a trip, read real-time data, record a trip</a:t>
+            </a:r>
+          </a:p>
+          <a:p>
+            <a:r>
+              <a:rPr lang="en-US" dirty="0" smtClean="0"/>
+              <a:t>Set speed alert, start a trip, record a trip</a:t>
+            </a:r>
+          </a:p>
+          <a:p>
+            <a:r>
+              <a:rPr lang="en-US" dirty="0" smtClean="0"/>
+              <a:t>Search trip information </a:t>
+            </a:r>
+          </a:p>
+          <a:p>
+            <a:r>
+              <a:rPr lang="en-US" dirty="0" smtClean="0"/>
+              <a:t>Read diagnostic trouble codes form the car</a:t>
+            </a:r>
+          </a:p>
+          <a:p>
+            <a:r>
+              <a:rPr lang="en-US" dirty="0" smtClean="0"/>
+              <a:t>Repeat those steps on another car</a:t>
+            </a:r>
+          </a:p>
           <a:p>
             <a:endParaRPr lang="en-US" dirty="0"/>
           </a:p>
@@ -9244,12 +9950,10 @@
           <a:bodyPr/>
           <a:lstStyle/>
           <a:p>
-            <a:pPr algn="ctr"/>
-            <a:r>
-              <a:rPr lang="en-US" dirty="0" smtClean="0"/>
+            <a:r>
+              <a:rPr lang="en-US" dirty="0"/>
               <a:t>Introduction</a:t>
             </a:r>
-            <a:endParaRPr lang="en-US" dirty="0"/>
           </a:p>
         </p:txBody>
       </p:sp>
@@ -9270,69 +9974,66 @@
           <a:p>
             <a:r>
               <a:rPr lang="en-US" dirty="0"/>
-              <a:t>D</a:t>
-            </a:r>
+              <a:t>OBD and OBD-II </a:t>
+            </a:r>
+            <a:endParaRPr lang="en-US" dirty="0" smtClean="0"/>
+          </a:p>
+          <a:p>
+            <a:pPr lvl="1"/>
             <a:r>
               <a:rPr lang="en-US" dirty="0" smtClean="0"/>
-              <a:t>ifficult </a:t>
-            </a:r>
+              <a:t>Purpose</a:t>
+            </a:r>
+          </a:p>
+          <a:p>
+            <a:pPr lvl="1"/>
+            <a:r>
+              <a:rPr lang="en-US" dirty="0" smtClean="0"/>
+              <a:t>Difference</a:t>
+            </a:r>
+            <a:endParaRPr lang="en-US" dirty="0"/>
+          </a:p>
+          <a:p>
             <a:r>
               <a:rPr lang="en-US" dirty="0"/>
-              <a:t>to image life without </a:t>
+              <a:t>OBD-II </a:t>
             </a:r>
             <a:r>
               <a:rPr lang="en-US" dirty="0" smtClean="0"/>
-              <a:t>driving.</a:t>
-            </a:r>
-          </a:p>
-          <a:p>
+              <a:t>scanner</a:t>
+            </a:r>
+          </a:p>
+          <a:p>
+            <a:pPr lvl="1"/>
             <a:r>
               <a:rPr lang="en-US" dirty="0" smtClean="0"/>
-              <a:t> Possible to </a:t>
-            </a:r>
-            <a:r>
-              <a:rPr lang="en-US" altLang="zh-CN" dirty="0" smtClean="0"/>
-              <a:t>use OBD applications to deepen knowledge to cars</a:t>
-            </a:r>
-          </a:p>
-          <a:p>
+              <a:t>Work with OBD-II port</a:t>
+            </a:r>
+          </a:p>
+          <a:p>
+            <a:pPr lvl="1"/>
             <a:r>
               <a:rPr lang="en-US" dirty="0" smtClean="0"/>
-              <a:t>Disadvantages of </a:t>
-            </a:r>
-            <a:r>
-              <a:rPr lang="en-US" altLang="zh-CN" dirty="0"/>
-              <a:t>OBD applications </a:t>
-            </a:r>
-            <a:r>
-              <a:rPr lang="en-US" altLang="zh-CN" dirty="0" smtClean="0"/>
-              <a:t>in APP Store</a:t>
-            </a:r>
-          </a:p>
-          <a:p>
-            <a:r>
-              <a:rPr lang="en-US" altLang="zh-CN" dirty="0" smtClean="0"/>
-              <a:t>Advantages of Riding Mechanic</a:t>
-            </a:r>
-          </a:p>
-          <a:p>
+              <a:t>Wi-Fi </a:t>
+            </a:r>
+            <a:r>
+              <a:rPr lang="en-US" dirty="0"/>
+              <a:t>scanner </a:t>
+            </a:r>
             <a:r>
               <a:rPr lang="en-US" dirty="0" smtClean="0"/>
-              <a:t>OBD and OBD-II </a:t>
-            </a:r>
+              <a:t>and Bluetooth </a:t>
+            </a:r>
+            <a:r>
+              <a:rPr lang="en-US" dirty="0"/>
+              <a:t>scanner</a:t>
+            </a:r>
+            <a:endParaRPr lang="en-US" dirty="0" smtClean="0"/>
           </a:p>
           <a:p>
             <a:r>
               <a:rPr lang="en-US" dirty="0" smtClean="0"/>
-              <a:t>OBD-II </a:t>
-            </a:r>
-            <a:r>
-              <a:rPr lang="en-US" dirty="0" smtClean="0"/>
-              <a:t>scanner used in </a:t>
-            </a:r>
-            <a:r>
-              <a:rPr lang="en-US" altLang="zh-CN" dirty="0"/>
-              <a:t>Riding Mechanic</a:t>
+              <a:t>ELM327</a:t>
             </a:r>
             <a:endParaRPr lang="en-US" dirty="0"/>
           </a:p>
@@ -9341,7 +10042,7 @@
     </p:spTree>
     <p:extLst>
       <p:ext uri="{BB962C8B-B14F-4D97-AF65-F5344CB8AC3E}">
-        <p14:creationId xmlns:p14="http://schemas.microsoft.com/office/powerpoint/2010/main" val="1123654307"/>
+        <p14:creationId xmlns:p14="http://schemas.microsoft.com/office/powerpoint/2010/main" val="81304565"/>
       </p:ext>
     </p:extLst>
   </p:cSld>
@@ -9385,17 +10086,20 @@
             <p:ph type="title"/>
           </p:nvPr>
         </p:nvSpPr>
-        <p:spPr/>
+        <p:spPr>
+          <a:xfrm>
+            <a:off x="2592925" y="624110"/>
+            <a:ext cx="8911687" cy="738254"/>
+          </a:xfrm>
+        </p:spPr>
         <p:txBody>
           <a:bodyPr/>
           <a:lstStyle/>
           <a:p>
-            <a:pPr algn="ctr"/>
-            <a:r>
-              <a:rPr lang="en-US" dirty="0" smtClean="0"/>
-              <a:t>Continued</a:t>
-            </a:r>
-            <a:endParaRPr lang="en-US" dirty="0"/>
+            <a:r>
+              <a:rPr lang="en-US" dirty="0"/>
+              <a:t>Introduction</a:t>
+            </a:r>
           </a:p>
         </p:txBody>
       </p:sp>
@@ -9510,10 +10214,9 @@
           <a:bodyPr/>
           <a:lstStyle/>
           <a:p>
-            <a:pPr algn="ctr"/>
             <a:r>
               <a:rPr lang="en-US" dirty="0"/>
-              <a:t>Continued</a:t>
+              <a:t>Introduction</a:t>
             </a:r>
           </a:p>
         </p:txBody>
@@ -9547,11 +10250,7 @@
             </a:r>
             <a:r>
               <a:rPr lang="en-US" dirty="0" smtClean="0"/>
-              <a:t>(OBD-II </a:t>
-            </a:r>
-            <a:r>
-              <a:rPr lang="en-US" dirty="0" smtClean="0"/>
-              <a:t>PIDs)</a:t>
+              <a:t>(OBD-II PIDs)</a:t>
             </a:r>
           </a:p>
           <a:p>
@@ -9567,48 +10266,16 @@
               <a:rPr lang="en-US" dirty="0" smtClean="0"/>
               <a:t>PIDs used in this project</a:t>
             </a:r>
-            <a:endParaRPr lang="en-US" dirty="0" smtClean="0"/>
-          </a:p>
-          <a:p>
-            <a:r>
-              <a:rPr lang="en-US" dirty="0"/>
-              <a:t>Diagnostic Trouble Code </a:t>
-            </a:r>
+          </a:p>
+          <a:p>
+            <a:pPr lvl="1"/>
             <a:r>
               <a:rPr lang="en-US" dirty="0" smtClean="0"/>
-              <a:t>(DTCs</a:t>
-            </a:r>
-            <a:r>
-              <a:rPr lang="en-US" dirty="0" smtClean="0"/>
-              <a:t>)</a:t>
+              <a:t>Return value</a:t>
             </a:r>
           </a:p>
           <a:p>
             <a:pPr lvl="1"/>
-            <a:r>
-              <a:rPr lang="en-US" dirty="0" smtClean="0"/>
-              <a:t>Consist of five characters</a:t>
-            </a:r>
-          </a:p>
-          <a:p>
-            <a:pPr lvl="1"/>
-            <a:r>
-              <a:rPr lang="en-US" dirty="0" smtClean="0"/>
-              <a:t>Each letter’s meaning</a:t>
-            </a:r>
-          </a:p>
-          <a:p>
-            <a:r>
-              <a:rPr lang="en-US" dirty="0" smtClean="0"/>
-              <a:t>AT command set (Hayes command set)</a:t>
-            </a:r>
-          </a:p>
-          <a:p>
-            <a:pPr lvl="1"/>
-            <a:r>
-              <a:rPr lang="en-US" dirty="0" smtClean="0"/>
-              <a:t>Compared to OBD commands</a:t>
-            </a:r>
             <a:endParaRPr lang="en-US" dirty="0" smtClean="0"/>
           </a:p>
           <a:p>
@@ -9674,12 +10341,10 @@
           <a:bodyPr/>
           <a:lstStyle/>
           <a:p>
-            <a:pPr algn="ctr"/>
-            <a:r>
-              <a:rPr lang="en-US" dirty="0" smtClean="0"/>
-              <a:t>Requirement Analysis</a:t>
-            </a:r>
-            <a:endParaRPr lang="en-US" dirty="0"/>
+            <a:r>
+              <a:rPr lang="en-US" dirty="0"/>
+              <a:t>Introduction</a:t>
+            </a:r>
           </a:p>
         </p:txBody>
       </p:sp>
@@ -9699,61 +10364,46 @@
           <a:lstStyle/>
           <a:p>
             <a:r>
+              <a:rPr lang="en-US" dirty="0"/>
+              <a:t>Diagnostic Trouble Code (DTCs</a:t>
+            </a:r>
+            <a:r>
               <a:rPr lang="en-US" dirty="0" smtClean="0"/>
-              <a:t>User requirements </a:t>
-            </a:r>
-            <a:endParaRPr lang="en-US" dirty="0" smtClean="0"/>
+              <a:t>)</a:t>
+            </a:r>
           </a:p>
           <a:p>
             <a:pPr lvl="1"/>
             <a:r>
+              <a:rPr lang="en-US" dirty="0"/>
+              <a:t>How characters  are </a:t>
+            </a:r>
+            <a:r>
               <a:rPr lang="en-US" dirty="0" smtClean="0"/>
-              <a:t>I want to do</a:t>
+              <a:t>encoded</a:t>
             </a:r>
             <a:endParaRPr lang="en-US" dirty="0"/>
           </a:p>
           <a:p>
+            <a:pPr lvl="1"/>
             <a:r>
               <a:rPr lang="en-US" dirty="0"/>
-              <a:t>F</a:t>
-            </a:r>
+              <a:t>Consist of five characters</a:t>
+            </a:r>
+          </a:p>
+          <a:p>
+            <a:pPr lvl="1"/>
+            <a:r>
+              <a:rPr lang="en-US" dirty="0"/>
+              <a:t>Each letter’s meaning</a:t>
+            </a:r>
+          </a:p>
+          <a:p>
+            <a:pPr lvl="1"/>
             <a:r>
               <a:rPr lang="en-US" dirty="0" smtClean="0"/>
-              <a:t>unctional </a:t>
-            </a:r>
-            <a:r>
-              <a:rPr lang="en-US" dirty="0" smtClean="0"/>
-              <a:t>requirements</a:t>
-            </a:r>
-          </a:p>
-          <a:p>
-            <a:pPr lvl="1"/>
-            <a:r>
-              <a:rPr lang="en-US" dirty="0" smtClean="0"/>
-              <a:t>The system must have</a:t>
-            </a:r>
-            <a:endParaRPr lang="en-US" dirty="0" smtClean="0"/>
-          </a:p>
-          <a:p>
-            <a:r>
-              <a:rPr lang="en-US" dirty="0" smtClean="0"/>
-              <a:t>Non-functional </a:t>
-            </a:r>
-            <a:r>
-              <a:rPr lang="en-US" dirty="0" smtClean="0"/>
-              <a:t>requirements</a:t>
-            </a:r>
-          </a:p>
-          <a:p>
-            <a:pPr lvl="1"/>
-            <a:r>
-              <a:rPr lang="en-US" dirty="0" smtClean="0"/>
-              <a:t>The system should have</a:t>
-            </a:r>
-            <a:endParaRPr lang="en-US" dirty="0" smtClean="0"/>
-          </a:p>
-          <a:p>
-            <a:pPr lvl="1"/>
+              <a:t>DTCs in this project</a:t>
+            </a:r>
             <a:endParaRPr lang="en-US" dirty="0"/>
           </a:p>
         </p:txBody>
@@ -9761,20 +10411,13 @@
     </p:spTree>
     <p:extLst>
       <p:ext uri="{BB962C8B-B14F-4D97-AF65-F5344CB8AC3E}">
-        <p14:creationId xmlns:p14="http://schemas.microsoft.com/office/powerpoint/2010/main" val="104444160"/>
+        <p14:creationId xmlns:p14="http://schemas.microsoft.com/office/powerpoint/2010/main" val="1801863028"/>
       </p:ext>
     </p:extLst>
   </p:cSld>
   <p:clrMapOvr>
     <a:masterClrMapping/>
   </p:clrMapOvr>
-  <p:timing>
-    <p:tnLst>
-      <p:par>
-        <p:cTn id="1" dur="indefinite" restart="never" nodeType="tmRoot"/>
-      </p:par>
-    </p:tnLst>
-  </p:timing>
 </p:sld>
 </file>
 
@@ -9810,12 +10453,10 @@
           <a:bodyPr/>
           <a:lstStyle/>
           <a:p>
-            <a:pPr algn="ctr"/>
-            <a:r>
-              <a:rPr lang="en-US" dirty="0" smtClean="0"/>
-              <a:t>System Architecture</a:t>
-            </a:r>
-            <a:endParaRPr lang="en-US" dirty="0"/>
+            <a:r>
+              <a:rPr lang="en-US" dirty="0"/>
+              <a:t>Introduction</a:t>
+            </a:r>
           </a:p>
         </p:txBody>
       </p:sp>
@@ -9836,75 +10477,27 @@
           <a:p>
             <a:r>
               <a:rPr lang="en-US" dirty="0" smtClean="0"/>
-              <a:t>Goal</a:t>
+              <a:t>AT </a:t>
+            </a:r>
+            <a:r>
+              <a:rPr lang="en-US" dirty="0"/>
+              <a:t>command set (Hayes command set)</a:t>
             </a:r>
           </a:p>
           <a:p>
             <a:pPr lvl="1"/>
             <a:r>
               <a:rPr lang="en-US" dirty="0" smtClean="0"/>
-              <a:t>Prototype: Incremental model</a:t>
+              <a:t>Why it is important</a:t>
             </a:r>
           </a:p>
           <a:p>
             <a:pPr lvl="1"/>
             <a:r>
               <a:rPr lang="en-US" dirty="0" smtClean="0"/>
-              <a:t>Identify Key technical risks</a:t>
-            </a:r>
-          </a:p>
-          <a:p>
-            <a:pPr lvl="1"/>
-            <a:r>
-              <a:rPr lang="en-US" dirty="0"/>
-              <a:t>Identify t</a:t>
-            </a:r>
-            <a:r>
-              <a:rPr lang="en-US" dirty="0" smtClean="0"/>
-              <a:t>hread safety</a:t>
-            </a:r>
-          </a:p>
-          <a:p>
-            <a:r>
-              <a:rPr lang="en-US" dirty="0" smtClean="0"/>
-              <a:t>Constrains</a:t>
-            </a:r>
-          </a:p>
-          <a:p>
-            <a:pPr lvl="1"/>
-            <a:r>
-              <a:rPr lang="en-US" dirty="0" smtClean="0"/>
-              <a:t>OBD-II Wi-Fi scanner</a:t>
-            </a:r>
-          </a:p>
-          <a:p>
-            <a:pPr lvl="1"/>
-            <a:r>
-              <a:rPr lang="en-US" dirty="0" smtClean="0"/>
-              <a:t>Data download and upload</a:t>
-            </a:r>
-          </a:p>
-          <a:p>
-            <a:pPr lvl="1"/>
-            <a:r>
-              <a:rPr lang="en-US" dirty="0"/>
-              <a:t>D</a:t>
-            </a:r>
-            <a:r>
-              <a:rPr lang="en-US" dirty="0" smtClean="0"/>
-              <a:t>atabase server</a:t>
-            </a:r>
-          </a:p>
-          <a:p>
-            <a:pPr lvl="1"/>
+              <a:t>Compared to OBD-II commands</a:t>
+            </a:r>
             <a:endParaRPr lang="en-US" dirty="0"/>
-          </a:p>
-          <a:p>
-            <a:pPr lvl="1"/>
-            <a:endParaRPr lang="en-US" dirty="0" smtClean="0"/>
-          </a:p>
-          <a:p>
-            <a:endParaRPr lang="en-US" dirty="0" smtClean="0"/>
           </a:p>
           <a:p>
             <a:endParaRPr lang="en-US" dirty="0"/>
@@ -9914,20 +10507,13 @@
     </p:spTree>
     <p:extLst>
       <p:ext uri="{BB962C8B-B14F-4D97-AF65-F5344CB8AC3E}">
-        <p14:creationId xmlns:p14="http://schemas.microsoft.com/office/powerpoint/2010/main" val="275811263"/>
+        <p14:creationId xmlns:p14="http://schemas.microsoft.com/office/powerpoint/2010/main" val="454722444"/>
       </p:ext>
     </p:extLst>
   </p:cSld>
   <p:clrMapOvr>
     <a:masterClrMapping/>
   </p:clrMapOvr>
-  <p:timing>
-    <p:tnLst>
-      <p:par>
-        <p:cTn id="1" dur="indefinite" restart="never" nodeType="tmRoot"/>
-      </p:par>
-    </p:tnLst>
-  </p:timing>
 </p:sld>
 </file>
 
@@ -9963,10 +10549,9 @@
           <a:bodyPr/>
           <a:lstStyle/>
           <a:p>
-            <a:pPr algn="ctr"/>
             <a:r>
               <a:rPr lang="en-US" dirty="0" smtClean="0"/>
-              <a:t>Continued</a:t>
+              <a:t>Requirement Analysis</a:t>
             </a:r>
             <a:endParaRPr lang="en-US" dirty="0"/>
           </a:p>
@@ -9989,76 +10574,57 @@
           <a:p>
             <a:r>
               <a:rPr lang="en-US" dirty="0" smtClean="0"/>
-              <a:t>Key scenarios</a:t>
+              <a:t>User requirements </a:t>
             </a:r>
           </a:p>
           <a:p>
             <a:pPr lvl="1"/>
             <a:r>
               <a:rPr lang="en-US" dirty="0" smtClean="0"/>
-              <a:t>Login , register, reset password and logout</a:t>
+              <a:t>I want to do</a:t>
+            </a:r>
+            <a:endParaRPr lang="en-US" dirty="0"/>
+          </a:p>
+          <a:p>
+            <a:r>
+              <a:rPr lang="en-US" dirty="0"/>
+              <a:t>F</a:t>
+            </a:r>
+            <a:r>
+              <a:rPr lang="en-US" dirty="0" smtClean="0"/>
+              <a:t>unctional requirements</a:t>
             </a:r>
           </a:p>
           <a:p>
             <a:pPr lvl="1"/>
             <a:r>
               <a:rPr lang="en-US" dirty="0" smtClean="0"/>
-              <a:t>Download and upload user information</a:t>
+              <a:t>The system must have</a:t>
+            </a:r>
+          </a:p>
+          <a:p>
+            <a:r>
+              <a:rPr lang="en-US" dirty="0" smtClean="0"/>
+              <a:t>Non-functional requirements</a:t>
             </a:r>
           </a:p>
           <a:p>
             <a:pPr lvl="1"/>
             <a:r>
               <a:rPr lang="en-US" dirty="0" smtClean="0"/>
-              <a:t>Connect to scanner’s Wi-Fi</a:t>
+              <a:t>The system should have</a:t>
             </a:r>
           </a:p>
           <a:p>
             <a:pPr lvl="1"/>
-            <a:r>
-              <a:rPr lang="en-US" dirty="0" smtClean="0"/>
-              <a:t>Keep sending OBD-II PIDs</a:t>
-            </a:r>
-          </a:p>
-          <a:p>
-            <a:pPr lvl="1"/>
-            <a:r>
-              <a:rPr lang="en-US" dirty="0" smtClean="0"/>
-              <a:t>Save trip information</a:t>
-            </a:r>
-          </a:p>
-          <a:p>
-            <a:pPr lvl="1"/>
-            <a:r>
-              <a:rPr lang="en-US" dirty="0" smtClean="0"/>
-              <a:t>Search trip information</a:t>
-            </a:r>
-          </a:p>
-          <a:p>
-            <a:pPr lvl="1"/>
-            <a:r>
-              <a:rPr lang="en-US" dirty="0"/>
-              <a:t>Download and upload </a:t>
-            </a:r>
-            <a:r>
-              <a:rPr lang="en-US" dirty="0" smtClean="0"/>
-              <a:t>trip information</a:t>
-            </a:r>
-          </a:p>
-          <a:p>
-            <a:pPr lvl="1"/>
-            <a:endParaRPr lang="en-US" dirty="0" smtClean="0"/>
-          </a:p>
-          <a:p>
-            <a:pPr lvl="1"/>
-            <a:endParaRPr lang="en-US" dirty="0" smtClean="0"/>
+            <a:endParaRPr lang="en-US" dirty="0"/>
           </a:p>
         </p:txBody>
       </p:sp>
     </p:spTree>
     <p:extLst>
       <p:ext uri="{BB962C8B-B14F-4D97-AF65-F5344CB8AC3E}">
-        <p14:creationId xmlns:p14="http://schemas.microsoft.com/office/powerpoint/2010/main" val="1656626790"/>
+        <p14:creationId xmlns:p14="http://schemas.microsoft.com/office/powerpoint/2010/main" val="104444160"/>
       </p:ext>
     </p:extLst>
   </p:cSld>
@@ -10092,45 +10658,138 @@
           <a:chExt cx="0" cy="0"/>
         </a:xfrm>
       </p:grpSpPr>
-      <p:pic>
-        <p:nvPicPr>
-          <p:cNvPr id="4" name="Content Placeholder 3"/>
-          <p:cNvPicPr>
-            <a:picLocks noGrp="1" noChangeAspect="1"/>
-          </p:cNvPicPr>
+      <p:sp>
+        <p:nvSpPr>
+          <p:cNvPr id="2" name="Title 1"/>
+          <p:cNvSpPr>
+            <a:spLocks noGrp="1"/>
+          </p:cNvSpPr>
+          <p:nvPr>
+            <p:ph type="title"/>
+          </p:nvPr>
+        </p:nvSpPr>
+        <p:spPr/>
+        <p:txBody>
+          <a:bodyPr/>
+          <a:lstStyle/>
+          <a:p>
+            <a:r>
+              <a:rPr lang="en-US" dirty="0" smtClean="0"/>
+              <a:t>System Architecture</a:t>
+            </a:r>
+            <a:endParaRPr lang="en-US" dirty="0"/>
+          </a:p>
+        </p:txBody>
+      </p:sp>
+      <p:sp>
+        <p:nvSpPr>
+          <p:cNvPr id="3" name="Content Placeholder 2"/>
+          <p:cNvSpPr>
+            <a:spLocks noGrp="1"/>
+          </p:cNvSpPr>
           <p:nvPr>
             <p:ph idx="1"/>
           </p:nvPr>
-        </p:nvPicPr>
-        <p:blipFill>
-          <a:blip r:embed="rId2">
-            <a:extLst>
-              <a:ext uri="{28A0092B-C50C-407E-A947-70E740481C1C}">
-                <a14:useLocalDpi xmlns:a14="http://schemas.microsoft.com/office/drawing/2010/main" val="0"/>
-              </a:ext>
-            </a:extLst>
-          </a:blip>
-          <a:stretch>
-            <a:fillRect/>
-          </a:stretch>
-        </p:blipFill>
-        <p:spPr>
-          <a:xfrm>
-            <a:off x="3075710" y="845126"/>
-            <a:ext cx="6359236" cy="4641273"/>
-          </a:xfrm>
-        </p:spPr>
-      </p:pic>
+        </p:nvSpPr>
+        <p:spPr/>
+        <p:txBody>
+          <a:bodyPr/>
+          <a:lstStyle/>
+          <a:p>
+            <a:r>
+              <a:rPr lang="en-US" dirty="0" smtClean="0"/>
+              <a:t>Goal</a:t>
+            </a:r>
+          </a:p>
+          <a:p>
+            <a:pPr lvl="1"/>
+            <a:r>
+              <a:rPr lang="en-US" dirty="0" smtClean="0"/>
+              <a:t>Prototype: Incremental model</a:t>
+            </a:r>
+          </a:p>
+          <a:p>
+            <a:pPr lvl="1"/>
+            <a:r>
+              <a:rPr lang="en-US" dirty="0" smtClean="0"/>
+              <a:t>Identify Key technical risks</a:t>
+            </a:r>
+          </a:p>
+          <a:p>
+            <a:pPr lvl="1"/>
+            <a:r>
+              <a:rPr lang="en-US" dirty="0"/>
+              <a:t>Identify t</a:t>
+            </a:r>
+            <a:r>
+              <a:rPr lang="en-US" dirty="0" smtClean="0"/>
+              <a:t>hread safety</a:t>
+            </a:r>
+          </a:p>
+          <a:p>
+            <a:r>
+              <a:rPr lang="en-US" dirty="0" smtClean="0"/>
+              <a:t>Constrains</a:t>
+            </a:r>
+          </a:p>
+          <a:p>
+            <a:pPr lvl="1"/>
+            <a:r>
+              <a:rPr lang="en-US" dirty="0" smtClean="0"/>
+              <a:t>OBD-II Wi-Fi scanner</a:t>
+            </a:r>
+          </a:p>
+          <a:p>
+            <a:pPr lvl="1"/>
+            <a:r>
+              <a:rPr lang="en-US" dirty="0" smtClean="0"/>
+              <a:t>Data download and upload</a:t>
+            </a:r>
+          </a:p>
+          <a:p>
+            <a:pPr lvl="1"/>
+            <a:r>
+              <a:rPr lang="en-US" dirty="0"/>
+              <a:t>D</a:t>
+            </a:r>
+            <a:r>
+              <a:rPr lang="en-US" dirty="0" smtClean="0"/>
+              <a:t>atabase server</a:t>
+            </a:r>
+          </a:p>
+          <a:p>
+            <a:pPr lvl="1"/>
+            <a:endParaRPr lang="en-US" dirty="0"/>
+          </a:p>
+          <a:p>
+            <a:pPr lvl="1"/>
+            <a:endParaRPr lang="en-US" dirty="0" smtClean="0"/>
+          </a:p>
+          <a:p>
+            <a:endParaRPr lang="en-US" dirty="0" smtClean="0"/>
+          </a:p>
+          <a:p>
+            <a:endParaRPr lang="en-US" dirty="0"/>
+          </a:p>
+        </p:txBody>
+      </p:sp>
     </p:spTree>
     <p:extLst>
       <p:ext uri="{BB962C8B-B14F-4D97-AF65-F5344CB8AC3E}">
-        <p14:creationId xmlns:p14="http://schemas.microsoft.com/office/powerpoint/2010/main" val="1939218913"/>
+        <p14:creationId xmlns:p14="http://schemas.microsoft.com/office/powerpoint/2010/main" val="275811263"/>
       </p:ext>
     </p:extLst>
   </p:cSld>
   <p:clrMapOvr>
     <a:masterClrMapping/>
   </p:clrMapOvr>
+  <p:timing>
+    <p:tnLst>
+      <p:par>
+        <p:cTn id="1" dur="indefinite" restart="never" nodeType="tmRoot"/>
+      </p:par>
+    </p:tnLst>
+  </p:timing>
 </p:sld>
 </file>
 
@@ -10375,4 +11034,265 @@
     </a:ext>
   </a:extLst>
 </a:theme>
+</file>
+
+<file path=ppt/theme/theme2.xml><?xml version="1.0" encoding="utf-8"?>
+<a:theme xmlns:a="http://schemas.openxmlformats.org/drawingml/2006/main" name="Office Theme">
+  <a:themeElements>
+    <a:clrScheme name="Office">
+      <a:dk1>
+        <a:sysClr val="windowText" lastClr="000000"/>
+      </a:dk1>
+      <a:lt1>
+        <a:sysClr val="window" lastClr="FFFFFF"/>
+      </a:lt1>
+      <a:dk2>
+        <a:srgbClr val="44546A"/>
+      </a:dk2>
+      <a:lt2>
+        <a:srgbClr val="E7E6E6"/>
+      </a:lt2>
+      <a:accent1>
+        <a:srgbClr val="4472C4"/>
+      </a:accent1>
+      <a:accent2>
+        <a:srgbClr val="ED7D31"/>
+      </a:accent2>
+      <a:accent3>
+        <a:srgbClr val="A5A5A5"/>
+      </a:accent3>
+      <a:accent4>
+        <a:srgbClr val="FFC000"/>
+      </a:accent4>
+      <a:accent5>
+        <a:srgbClr val="5B9BD5"/>
+      </a:accent5>
+      <a:accent6>
+        <a:srgbClr val="70AD47"/>
+      </a:accent6>
+      <a:hlink>
+        <a:srgbClr val="0563C1"/>
+      </a:hlink>
+      <a:folHlink>
+        <a:srgbClr val="954F72"/>
+      </a:folHlink>
+    </a:clrScheme>
+    <a:fontScheme name="Office">
+      <a:majorFont>
+        <a:latin typeface="Calibri Light" panose="020F0302020204030204"/>
+        <a:ea typeface=""/>
+        <a:cs typeface=""/>
+        <a:font script="Jpan" typeface="Yu Gothic Light"/>
+        <a:font script="Hang" typeface="맑은 고딕"/>
+        <a:font script="Hans" typeface="DengXian Light"/>
+        <a:font script="Hant" typeface="新細明體"/>
+        <a:font script="Arab" typeface="Times New Roman"/>
+        <a:font script="Hebr" typeface="Times New Roman"/>
+        <a:font script="Thai" typeface="Angsana New"/>
+        <a:font script="Ethi" typeface="Nyala"/>
+        <a:font script="Beng" typeface="Vrinda"/>
+        <a:font script="Gujr" typeface="Shruti"/>
+        <a:font script="Khmr" typeface="MoolBoran"/>
+        <a:font script="Knda" typeface="Tunga"/>
+        <a:font script="Guru" typeface="Raavi"/>
+        <a:font script="Cans" typeface="Euphemia"/>
+        <a:font script="Cher" typeface="Plantagenet Cherokee"/>
+        <a:font script="Yiii" typeface="Microsoft Yi Baiti"/>
+        <a:font script="Tibt" typeface="Microsoft Himalaya"/>
+        <a:font script="Thaa" typeface="MV Boli"/>
+        <a:font script="Deva" typeface="Mangal"/>
+        <a:font script="Telu" typeface="Gautami"/>
+        <a:font script="Taml" typeface="Latha"/>
+        <a:font script="Syrc" typeface="Estrangelo Edessa"/>
+        <a:font script="Orya" typeface="Kalinga"/>
+        <a:font script="Mlym" typeface="Kartika"/>
+        <a:font script="Laoo" typeface="DokChampa"/>
+        <a:font script="Sinh" typeface="Iskoola Pota"/>
+        <a:font script="Mong" typeface="Mongolian Baiti"/>
+        <a:font script="Viet" typeface="Times New Roman"/>
+        <a:font script="Uigh" typeface="Microsoft Uighur"/>
+        <a:font script="Geor" typeface="Sylfaen"/>
+      </a:majorFont>
+      <a:minorFont>
+        <a:latin typeface="Calibri" panose="020F0502020204030204"/>
+        <a:ea typeface=""/>
+        <a:cs typeface=""/>
+        <a:font script="Jpan" typeface="Yu Gothic"/>
+        <a:font script="Hang" typeface="맑은 고딕"/>
+        <a:font script="Hans" typeface="DengXian"/>
+        <a:font script="Hant" typeface="新細明體"/>
+        <a:font script="Arab" typeface="Arial"/>
+        <a:font script="Hebr" typeface="Arial"/>
+        <a:font script="Thai" typeface="Cordia New"/>
+        <a:font script="Ethi" typeface="Nyala"/>
+        <a:font script="Beng" typeface="Vrinda"/>
+        <a:font script="Gujr" typeface="Shruti"/>
+        <a:font script="Khmr" typeface="DaunPenh"/>
+        <a:font script="Knda" typeface="Tunga"/>
+        <a:font script="Guru" typeface="Raavi"/>
+        <a:font script="Cans" typeface="Euphemia"/>
+        <a:font script="Cher" typeface="Plantagenet Cherokee"/>
+        <a:font script="Yiii" typeface="Microsoft Yi Baiti"/>
+        <a:font script="Tibt" typeface="Microsoft Himalaya"/>
+        <a:font script="Thaa" typeface="MV Boli"/>
+        <a:font script="Deva" typeface="Mangal"/>
+        <a:font script="Telu" typeface="Gautami"/>
+        <a:font script="Taml" typeface="Latha"/>
+        <a:font script="Syrc" typeface="Estrangelo Edessa"/>
+        <a:font script="Orya" typeface="Kalinga"/>
+        <a:font script="Mlym" typeface="Kartika"/>
+        <a:font script="Laoo" typeface="DokChampa"/>
+        <a:font script="Sinh" typeface="Iskoola Pota"/>
+        <a:font script="Mong" typeface="Mongolian Baiti"/>
+        <a:font script="Viet" typeface="Arial"/>
+        <a:font script="Uigh" typeface="Microsoft Uighur"/>
+        <a:font script="Geor" typeface="Sylfaen"/>
+      </a:minorFont>
+    </a:fontScheme>
+    <a:fmtScheme name="Office">
+      <a:fillStyleLst>
+        <a:solidFill>
+          <a:schemeClr val="phClr"/>
+        </a:solidFill>
+        <a:gradFill rotWithShape="1">
+          <a:gsLst>
+            <a:gs pos="0">
+              <a:schemeClr val="phClr">
+                <a:lumMod val="110000"/>
+                <a:satMod val="105000"/>
+                <a:tint val="67000"/>
+              </a:schemeClr>
+            </a:gs>
+            <a:gs pos="50000">
+              <a:schemeClr val="phClr">
+                <a:lumMod val="105000"/>
+                <a:satMod val="103000"/>
+                <a:tint val="73000"/>
+              </a:schemeClr>
+            </a:gs>
+            <a:gs pos="100000">
+              <a:schemeClr val="phClr">
+                <a:lumMod val="105000"/>
+                <a:satMod val="109000"/>
+                <a:tint val="81000"/>
+              </a:schemeClr>
+            </a:gs>
+          </a:gsLst>
+          <a:lin ang="5400000" scaled="0"/>
+        </a:gradFill>
+        <a:gradFill rotWithShape="1">
+          <a:gsLst>
+            <a:gs pos="0">
+              <a:schemeClr val="phClr">
+                <a:satMod val="103000"/>
+                <a:lumMod val="102000"/>
+                <a:tint val="94000"/>
+              </a:schemeClr>
+            </a:gs>
+            <a:gs pos="50000">
+              <a:schemeClr val="phClr">
+                <a:satMod val="110000"/>
+                <a:lumMod val="100000"/>
+                <a:shade val="100000"/>
+              </a:schemeClr>
+            </a:gs>
+            <a:gs pos="100000">
+              <a:schemeClr val="phClr">
+                <a:lumMod val="99000"/>
+                <a:satMod val="120000"/>
+                <a:shade val="78000"/>
+              </a:schemeClr>
+            </a:gs>
+          </a:gsLst>
+          <a:lin ang="5400000" scaled="0"/>
+        </a:gradFill>
+      </a:fillStyleLst>
+      <a:lnStyleLst>
+        <a:ln w="6350" cap="flat" cmpd="sng" algn="ctr">
+          <a:solidFill>
+            <a:schemeClr val="phClr"/>
+          </a:solidFill>
+          <a:prstDash val="solid"/>
+          <a:miter lim="800000"/>
+        </a:ln>
+        <a:ln w="12700" cap="flat" cmpd="sng" algn="ctr">
+          <a:solidFill>
+            <a:schemeClr val="phClr"/>
+          </a:solidFill>
+          <a:prstDash val="solid"/>
+          <a:miter lim="800000"/>
+        </a:ln>
+        <a:ln w="19050" cap="flat" cmpd="sng" algn="ctr">
+          <a:solidFill>
+            <a:schemeClr val="phClr"/>
+          </a:solidFill>
+          <a:prstDash val="solid"/>
+          <a:miter lim="800000"/>
+        </a:ln>
+      </a:lnStyleLst>
+      <a:effectStyleLst>
+        <a:effectStyle>
+          <a:effectLst/>
+        </a:effectStyle>
+        <a:effectStyle>
+          <a:effectLst/>
+        </a:effectStyle>
+        <a:effectStyle>
+          <a:effectLst>
+            <a:outerShdw blurRad="57150" dist="19050" dir="5400000" algn="ctr" rotWithShape="0">
+              <a:srgbClr val="000000">
+                <a:alpha val="63000"/>
+              </a:srgbClr>
+            </a:outerShdw>
+          </a:effectLst>
+        </a:effectStyle>
+      </a:effectStyleLst>
+      <a:bgFillStyleLst>
+        <a:solidFill>
+          <a:schemeClr val="phClr"/>
+        </a:solidFill>
+        <a:solidFill>
+          <a:schemeClr val="phClr">
+            <a:tint val="95000"/>
+            <a:satMod val="170000"/>
+          </a:schemeClr>
+        </a:solidFill>
+        <a:gradFill rotWithShape="1">
+          <a:gsLst>
+            <a:gs pos="0">
+              <a:schemeClr val="phClr">
+                <a:tint val="93000"/>
+                <a:satMod val="150000"/>
+                <a:shade val="98000"/>
+                <a:lumMod val="102000"/>
+              </a:schemeClr>
+            </a:gs>
+            <a:gs pos="50000">
+              <a:schemeClr val="phClr">
+                <a:tint val="98000"/>
+                <a:satMod val="130000"/>
+                <a:shade val="90000"/>
+                <a:lumMod val="103000"/>
+              </a:schemeClr>
+            </a:gs>
+            <a:gs pos="100000">
+              <a:schemeClr val="phClr">
+                <a:shade val="63000"/>
+                <a:satMod val="120000"/>
+              </a:schemeClr>
+            </a:gs>
+          </a:gsLst>
+          <a:lin ang="5400000" scaled="0"/>
+        </a:gradFill>
+      </a:bgFillStyleLst>
+    </a:fmtScheme>
+  </a:themeElements>
+  <a:objectDefaults/>
+  <a:extraClrSchemeLst/>
+  <a:extLst>
+    <a:ext uri="{05A4C25C-085E-4340-85A3-A5531E510DB2}">
+      <thm15:themeFamily xmlns:thm15="http://schemas.microsoft.com/office/thememl/2012/main" name="Office Theme" id="{62F939B6-93AF-4DB8-9C6B-D6C7DFDC589F}" vid="{4A3C46E8-61CC-4603-A589-7422A47A8E4A}"/>
+    </a:ext>
+  </a:extLst>
+</a:theme>
 </file>